--- a/FinalPresentation.pptx
+++ b/FinalPresentation.pptx
@@ -6,7 +6,15 @@
   </p:sldMasterIdLst>
   <p:sldIdLst>
     <p:sldId id="256" r:id="rId2"/>
-    <p:sldId id="257" r:id="rId3"/>
+    <p:sldId id="258" r:id="rId3"/>
+    <p:sldId id="259" r:id="rId4"/>
+    <p:sldId id="260" r:id="rId5"/>
+    <p:sldId id="261" r:id="rId6"/>
+    <p:sldId id="262" r:id="rId7"/>
+    <p:sldId id="263" r:id="rId8"/>
+    <p:sldId id="264" r:id="rId9"/>
+    <p:sldId id="265" r:id="rId10"/>
+    <p:sldId id="257" r:id="rId11"/>
   </p:sldIdLst>
   <p:sldSz cx="9144000" cy="6858000" type="screen4x3"/>
   <p:notesSz cx="7010400" cy="9296400"/>
@@ -105,6 +113,22 @@
       </a:defRPr>
     </a:lvl9pPr>
   </p:defaultTextStyle>
+  <p:extLst>
+    <p:ext uri="{EFAFB233-063F-42B5-8137-9DF3F51BA10A}">
+      <p15:sldGuideLst xmlns:p15="http://schemas.microsoft.com/office/powerpoint/2012/main">
+        <p15:guide id="1" orient="horz" pos="2160">
+          <p15:clr>
+            <a:srgbClr val="A4A3A4"/>
+          </p15:clr>
+        </p15:guide>
+        <p15:guide id="2" pos="2880">
+          <p15:clr>
+            <a:srgbClr val="A4A3A4"/>
+          </p15:clr>
+        </p15:guide>
+      </p15:sldGuideLst>
+    </p:ext>
+  </p:extLst>
 </p:presentation>
 </file>
 
@@ -303,7 +327,7 @@
             <a:fld id="{04AF466F-BDA4-4F18-9C7B-FF0A9A1B0E80}" type="datetime1">
               <a:rPr lang="en-US" smtClean="0"/>
               <a:pPr/>
-              <a:t>4/17/16</a:t>
+              <a:t>4/19/2016</a:t>
             </a:fld>
             <a:endParaRPr lang="en-US"/>
           </a:p>
@@ -470,7 +494,7 @@
             <a:fld id="{58FB4290-6522-4139-852E-05BD9E7F0D2E}" type="datetime1">
               <a:rPr lang="en-US" smtClean="0"/>
               <a:pPr/>
-              <a:t>4/17/16</a:t>
+              <a:t>4/19/2016</a:t>
             </a:fld>
             <a:endParaRPr lang="en-US"/>
           </a:p>
@@ -647,7 +671,7 @@
             <a:fld id="{AAB955F9-81EA-47C5-8059-9E5C2B437C70}" type="datetime1">
               <a:rPr lang="en-US" smtClean="0"/>
               <a:pPr/>
-              <a:t>4/17/16</a:t>
+              <a:t>4/19/2016</a:t>
             </a:fld>
             <a:endParaRPr lang="en-US"/>
           </a:p>
@@ -814,7 +838,7 @@
             <a:fld id="{1CEF607B-A47E-422C-9BEF-122CCDB7C526}" type="datetime1">
               <a:rPr lang="en-US" smtClean="0"/>
               <a:pPr/>
-              <a:t>4/17/16</a:t>
+              <a:t>4/19/2016</a:t>
             </a:fld>
             <a:endParaRPr lang="en-US"/>
           </a:p>
@@ -1057,7 +1081,7 @@
             <a:fld id="{63A9A7CB-BEE6-4F99-898E-913F06E8E125}" type="datetime1">
               <a:rPr lang="en-US" smtClean="0"/>
               <a:pPr/>
-              <a:t>4/17/16</a:t>
+              <a:t>4/19/2016</a:t>
             </a:fld>
             <a:endParaRPr lang="en-US"/>
           </a:p>
@@ -1342,7 +1366,7 @@
             <a:fld id="{B6EE300C-6FC5-4FC3-AF1A-075E4F50620D}" type="datetime1">
               <a:rPr lang="en-US" smtClean="0"/>
               <a:pPr/>
-              <a:t>4/17/16</a:t>
+              <a:t>4/19/2016</a:t>
             </a:fld>
             <a:endParaRPr lang="en-US"/>
           </a:p>
@@ -1773,7 +1797,7 @@
             <a:fld id="{F50D295D-4A77-4DEB-B04C-9F4282A8BC04}" type="datetime1">
               <a:rPr lang="en-US" smtClean="0"/>
               <a:pPr/>
-              <a:t>4/17/16</a:t>
+              <a:t>4/19/2016</a:t>
             </a:fld>
             <a:endParaRPr lang="en-US"/>
           </a:p>
@@ -1888,7 +1912,7 @@
             <a:fld id="{02B28685-4D0C-42D5-8013-B5904CD1FCBC}" type="datetime1">
               <a:rPr lang="en-US" smtClean="0"/>
               <a:pPr/>
-              <a:t>4/17/16</a:t>
+              <a:t>4/19/2016</a:t>
             </a:fld>
             <a:endParaRPr lang="en-US"/>
           </a:p>
@@ -1980,7 +2004,7 @@
             <a:fld id="{FDF226C0-9885-4BA9-BBFA-A52CBFEBB775}" type="datetime1">
               <a:rPr lang="en-US" smtClean="0"/>
               <a:pPr/>
-              <a:t>4/17/16</a:t>
+              <a:t>4/19/2016</a:t>
             </a:fld>
             <a:endParaRPr lang="en-US"/>
           </a:p>
@@ -2171,7 +2195,7 @@
             <a:fld id="{EBEE1B38-C5EB-4D66-9137-0AFE9CDEDE8F}" type="datetime1">
               <a:rPr lang="en-US" smtClean="0"/>
               <a:pPr/>
-              <a:t>4/17/16</a:t>
+              <a:t>4/19/2016</a:t>
             </a:fld>
             <a:endParaRPr lang="en-US"/>
           </a:p>
@@ -2491,7 +2515,7 @@
             <a:fld id="{327B613C-1AD7-49D3-885D-F654C5CDBAA6}" type="datetime1">
               <a:rPr lang="en-US" smtClean="0"/>
               <a:pPr/>
-              <a:t>4/17/16</a:t>
+              <a:t>4/19/2016</a:t>
             </a:fld>
             <a:endParaRPr lang="en-US" dirty="0"/>
           </a:p>
@@ -2873,12 +2897,42 @@
             <a:fld id="{327B613C-1AD7-49D3-885D-F654C5CDBAA6}" type="datetime1">
               <a:rPr lang="en-US" smtClean="0"/>
               <a:pPr/>
-              <a:t>4/17/16</a:t>
+              <a:t>4/19/2016</a:t>
             </a:fld>
             <a:endParaRPr lang="en-US" dirty="0"/>
           </a:p>
         </p:txBody>
       </p:sp>
+      <p:pic>
+        <p:nvPicPr>
+          <p:cNvPr id="9" name="Picture 8"/>
+          <p:cNvPicPr>
+            <a:picLocks noChangeAspect="1"/>
+          </p:cNvPicPr>
+          <p:nvPr userDrawn="1"/>
+        </p:nvPicPr>
+        <p:blipFill>
+          <a:blip r:embed="rId13" cstate="email">
+            <a:extLst>
+              <a:ext uri="{28A0092B-C50C-407E-A947-70E740481C1C}">
+                <a14:useLocalDpi xmlns:a14="http://schemas.microsoft.com/office/drawing/2010/main" val="0"/>
+              </a:ext>
+            </a:extLst>
+          </a:blip>
+          <a:stretch>
+            <a:fillRect/>
+          </a:stretch>
+        </p:blipFill>
+        <p:spPr>
+          <a:xfrm>
+            <a:off x="0" y="6094927"/>
+            <a:ext cx="1526146" cy="763073"/>
+          </a:xfrm>
+          <a:prstGeom prst="rect">
+            <a:avLst/>
+          </a:prstGeom>
+        </p:spPr>
+      </p:pic>
     </p:spTree>
   </p:cSld>
   <p:clrMap bg1="lt1" tx1="dk1" bg2="lt2" tx2="dk2" accent1="accent1" accent2="accent2" accent3="accent3" accent4="accent4" accent5="accent5" accent6="accent6" hlink="hlink" folHlink="folHlink"/>
@@ -3207,14 +3261,23 @@
             <p:ph type="ctrTitle"/>
           </p:nvPr>
         </p:nvSpPr>
-        <p:spPr/>
+        <p:spPr>
+          <a:xfrm>
+            <a:off x="685800" y="1233056"/>
+            <a:ext cx="7543800" cy="1884217"/>
+          </a:xfrm>
+        </p:spPr>
         <p:txBody>
           <a:bodyPr/>
           <a:lstStyle/>
           <a:p>
             <a:r>
               <a:rPr lang="en-US" b="1" dirty="0"/>
-              <a:t>Group ##</a:t>
+              <a:t>Group </a:t>
+            </a:r>
+            <a:r>
+              <a:rPr lang="en-US" b="1" dirty="0" smtClean="0"/>
+              <a:t>1</a:t>
             </a:r>
             <a:r>
               <a:rPr lang="en-US" dirty="0"/>
@@ -3224,16 +3287,9 @@
               <a:rPr lang="en-US" dirty="0"/>
             </a:br>
             <a:r>
-              <a:rPr lang="en-US" b="1" dirty="0"/>
-              <a:t>Your Project Name</a:t>
-            </a:r>
-            <a:r>
-              <a:rPr lang="en-US" dirty="0"/>
-              <a:t/>
-            </a:r>
-            <a:br>
-              <a:rPr lang="en-US" dirty="0"/>
-            </a:br>
+              <a:rPr lang="en-US" b="1" dirty="0" smtClean="0"/>
+              <a:t>Anyone There</a:t>
+            </a:r>
             <a:endParaRPr lang="en-US" dirty="0"/>
           </a:p>
         </p:txBody>
@@ -3248,15 +3304,79 @@
             <p:ph type="subTitle" idx="1"/>
           </p:nvPr>
         </p:nvSpPr>
-        <p:spPr/>
-        <p:txBody>
-          <a:bodyPr/>
+        <p:spPr>
+          <a:xfrm>
+            <a:off x="685800" y="3317184"/>
+            <a:ext cx="6461760" cy="2321616"/>
+          </a:xfrm>
+        </p:spPr>
+        <p:txBody>
+          <a:bodyPr>
+            <a:normAutofit/>
+          </a:bodyPr>
           <a:lstStyle/>
           <a:p>
             <a:r>
               <a:rPr lang="en-US" b="1" dirty="0" smtClean="0"/>
-              <a:t>Team member1, Team member 2 &amp; Team member 3</a:t>
-            </a:r>
+              <a:t>Rahul </a:t>
+            </a:r>
+            <a:r>
+              <a:rPr lang="en-US" b="1" dirty="0" err="1" smtClean="0"/>
+              <a:t>Bobhate</a:t>
+            </a:r>
+            <a:r>
+              <a:rPr lang="en-US" b="1" dirty="0" smtClean="0"/>
+              <a:t>, </a:t>
+            </a:r>
+            <a:r>
+              <a:rPr lang="en-US" b="1" dirty="0" err="1"/>
+              <a:t>H</a:t>
+            </a:r>
+            <a:r>
+              <a:rPr lang="en-US" b="1" dirty="0" err="1" smtClean="0"/>
+              <a:t>iranava</a:t>
+            </a:r>
+            <a:r>
+              <a:rPr lang="en-US" b="1" dirty="0" smtClean="0"/>
+              <a:t> Das, </a:t>
+            </a:r>
+            <a:r>
+              <a:rPr lang="en-US" b="1" dirty="0" err="1" smtClean="0"/>
+              <a:t>Sharique</a:t>
+            </a:r>
+            <a:r>
+              <a:rPr lang="en-US" b="1" dirty="0" smtClean="0"/>
+              <a:t> Hussain, Hamza Karachiwala, </a:t>
+            </a:r>
+            <a:r>
+              <a:rPr lang="en-US" b="1" dirty="0" err="1" smtClean="0"/>
+              <a:t>Suryansh</a:t>
+            </a:r>
+            <a:r>
+              <a:rPr lang="en-US" b="1" dirty="0" smtClean="0"/>
+              <a:t> Singh</a:t>
+            </a:r>
+          </a:p>
+          <a:p>
+            <a:endParaRPr lang="en-US" b="1" dirty="0"/>
+          </a:p>
+          <a:p>
+            <a:pPr lvl="0"/>
+            <a:r>
+              <a:rPr lang="en-US" b="1" i="1" u="sng" dirty="0"/>
+              <a:t>This Project is Sponsored by Google's 2016 Internet of Things (</a:t>
+            </a:r>
+            <a:r>
+              <a:rPr lang="en-US" b="1" i="1" u="sng" dirty="0" err="1"/>
+              <a:t>IoT</a:t>
+            </a:r>
+            <a:r>
+              <a:rPr lang="en-US" b="1" i="1" u="sng" dirty="0"/>
+              <a:t>) Technology Research Award Pilot</a:t>
+            </a:r>
+            <a:endParaRPr lang="en-GB" i="1" u="sng" dirty="0"/>
+          </a:p>
+          <a:p>
             <a:endParaRPr lang="en-US" dirty="0"/>
           </a:p>
         </p:txBody>
@@ -3327,6 +3447,136 @@
     <p:extLst>
       <p:ext uri="{BB962C8B-B14F-4D97-AF65-F5344CB8AC3E}">
         <p14:creationId xmlns:p14="http://schemas.microsoft.com/office/powerpoint/2010/main" val="2989275806"/>
+      </p:ext>
+    </p:extLst>
+  </p:cSld>
+  <p:clrMapOvr>
+    <a:masterClrMapping/>
+  </p:clrMapOvr>
+</p:sld>
+</file>
+
+<file path=ppt/slides/slide10.xml><?xml version="1.0" encoding="utf-8"?>
+<p:sld xmlns:a="http://schemas.openxmlformats.org/drawingml/2006/main" xmlns:r="http://schemas.openxmlformats.org/officeDocument/2006/relationships" xmlns:p="http://schemas.openxmlformats.org/presentationml/2006/main">
+  <p:cSld>
+    <p:spTree>
+      <p:nvGrpSpPr>
+        <p:cNvPr id="1" name=""/>
+        <p:cNvGrpSpPr/>
+        <p:nvPr/>
+      </p:nvGrpSpPr>
+      <p:grpSpPr>
+        <a:xfrm>
+          <a:off x="0" y="0"/>
+          <a:ext cx="0" cy="0"/>
+          <a:chOff x="0" y="0"/>
+          <a:chExt cx="0" cy="0"/>
+        </a:xfrm>
+      </p:grpSpPr>
+      <p:sp>
+        <p:nvSpPr>
+          <p:cNvPr id="2" name="Title 1"/>
+          <p:cNvSpPr>
+            <a:spLocks noGrp="1"/>
+          </p:cNvSpPr>
+          <p:nvPr>
+            <p:ph type="title"/>
+          </p:nvPr>
+        </p:nvSpPr>
+        <p:spPr/>
+        <p:txBody>
+          <a:bodyPr/>
+          <a:lstStyle/>
+          <a:p>
+            <a:r>
+              <a:rPr lang="en-US" dirty="0" smtClean="0"/>
+              <a:t>Content</a:t>
+            </a:r>
+            <a:endParaRPr lang="en-US" dirty="0"/>
+          </a:p>
+        </p:txBody>
+      </p:sp>
+      <p:sp>
+        <p:nvSpPr>
+          <p:cNvPr id="3" name="Content Placeholder 2"/>
+          <p:cNvSpPr>
+            <a:spLocks noGrp="1"/>
+          </p:cNvSpPr>
+          <p:nvPr>
+            <p:ph idx="1"/>
+          </p:nvPr>
+        </p:nvSpPr>
+        <p:spPr/>
+        <p:txBody>
+          <a:bodyPr/>
+          <a:lstStyle/>
+          <a:p>
+            <a:r>
+              <a:rPr lang="en-US" dirty="0" smtClean="0"/>
+              <a:t>Project idea: 1-2 slides</a:t>
+            </a:r>
+          </a:p>
+          <a:p>
+            <a:pPr lvl="1"/>
+            <a:r>
+              <a:rPr lang="en-US" dirty="0" smtClean="0"/>
+              <a:t>What problem are you trying to address</a:t>
+            </a:r>
+          </a:p>
+          <a:p>
+            <a:pPr lvl="1"/>
+            <a:r>
+              <a:rPr lang="en-US" dirty="0" smtClean="0"/>
+              <a:t>What is the idea of your solution</a:t>
+            </a:r>
+          </a:p>
+          <a:p>
+            <a:r>
+              <a:rPr lang="en-US" dirty="0" smtClean="0"/>
+              <a:t>Used Technology: 1 slide</a:t>
+            </a:r>
+          </a:p>
+          <a:p>
+            <a:r>
+              <a:rPr lang="en-US" dirty="0" smtClean="0"/>
+              <a:t>Architecture of the solution: 1 slide (pictorial)</a:t>
+            </a:r>
+          </a:p>
+          <a:p>
+            <a:r>
+              <a:rPr lang="en-US" dirty="0" smtClean="0"/>
+              <a:t>Any assets to showcase your project (photos, etc.): 1 slide</a:t>
+            </a:r>
+          </a:p>
+          <a:p>
+            <a:r>
+              <a:rPr lang="en-US" dirty="0" smtClean="0"/>
+              <a:t>What works? And What does not?  1 slide</a:t>
+            </a:r>
+          </a:p>
+          <a:p>
+            <a:r>
+              <a:rPr lang="en-US" dirty="0" smtClean="0"/>
+              <a:t>What business model may be utilized in connection with your project? (how can money be made from your idea?) 1 slide</a:t>
+            </a:r>
+          </a:p>
+          <a:p>
+            <a:r>
+              <a:rPr lang="en-US" dirty="0" smtClean="0"/>
+              <a:t>Finally, 2 min </a:t>
+            </a:r>
+            <a:r>
+              <a:rPr lang="en-US" smtClean="0"/>
+              <a:t>high quality video </a:t>
+            </a:r>
+            <a:endParaRPr lang="en-US" dirty="0"/>
+          </a:p>
+        </p:txBody>
+      </p:sp>
+    </p:spTree>
+    <p:extLst>
+      <p:ext uri="{BB962C8B-B14F-4D97-AF65-F5344CB8AC3E}">
+        <p14:creationId xmlns:p14="http://schemas.microsoft.com/office/powerpoint/2010/main" val="2679269164"/>
       </p:ext>
     </p:extLst>
   </p:cSld>
@@ -3370,7 +3620,7 @@
           <a:p>
             <a:r>
               <a:rPr lang="en-US" dirty="0" smtClean="0"/>
-              <a:t>Content</a:t>
+              <a:t>Why have this system</a:t>
             </a:r>
             <a:endParaRPr lang="en-US" dirty="0"/>
           </a:p>
@@ -3383,80 +3633,992 @@
             <a:spLocks noGrp="1"/>
           </p:cNvSpPr>
           <p:nvPr>
-            <p:ph idx="1"/>
-          </p:nvPr>
-        </p:nvSpPr>
-        <p:spPr/>
-        <p:txBody>
-          <a:bodyPr/>
-          <a:lstStyle/>
-          <a:p>
-            <a:r>
-              <a:rPr lang="en-US" dirty="0" smtClean="0"/>
-              <a:t>Project idea: 1-2 slides</a:t>
-            </a:r>
-          </a:p>
-          <a:p>
-            <a:pPr lvl="1"/>
-            <a:r>
-              <a:rPr lang="en-US" dirty="0" smtClean="0"/>
-              <a:t>What problem are you trying to address</a:t>
-            </a:r>
-          </a:p>
-          <a:p>
-            <a:pPr lvl="1"/>
-            <a:r>
-              <a:rPr lang="en-US" dirty="0" smtClean="0"/>
-              <a:t>What is the idea of your solution</a:t>
-            </a:r>
-          </a:p>
-          <a:p>
-            <a:r>
-              <a:rPr lang="en-US" dirty="0" smtClean="0"/>
-              <a:t>Used Technology: 1 slide</a:t>
-            </a:r>
-          </a:p>
-          <a:p>
-            <a:r>
-              <a:rPr lang="en-US" dirty="0" smtClean="0"/>
-              <a:t>Architecture of the solution: 1 slide (pictorial)</a:t>
-            </a:r>
-          </a:p>
-          <a:p>
-            <a:r>
-              <a:rPr lang="en-US" dirty="0" smtClean="0"/>
-              <a:t>Any assets to showcase your project (photos, etc.): 1 slide</a:t>
-            </a:r>
-          </a:p>
-          <a:p>
-            <a:r>
-              <a:rPr lang="en-US" dirty="0" smtClean="0"/>
-              <a:t>What works? And What does not?  1 slide</a:t>
-            </a:r>
-          </a:p>
-          <a:p>
-            <a:r>
-              <a:rPr lang="en-US" dirty="0" smtClean="0"/>
-              <a:t>What business model may be utilized in connection with your project? (how can money be made from your idea?) 1 slide</a:t>
-            </a:r>
-          </a:p>
-          <a:p>
-            <a:r>
-              <a:rPr lang="en-US" dirty="0" smtClean="0"/>
-              <a:t>Finally, 2 min </a:t>
-            </a:r>
-            <a:r>
-              <a:rPr lang="en-US" smtClean="0"/>
-              <a:t>high quality video </a:t>
-            </a:r>
-            <a:endParaRPr lang="en-US" dirty="0"/>
-          </a:p>
-        </p:txBody>
-      </p:sp>
+            <p:ph sz="half" idx="1"/>
+          </p:nvPr>
+        </p:nvSpPr>
+        <p:spPr/>
+        <p:txBody>
+          <a:bodyPr>
+            <a:normAutofit fontScale="92500" lnSpcReduction="10000"/>
+          </a:bodyPr>
+          <a:lstStyle/>
+          <a:p>
+            <a:r>
+              <a:rPr lang="en-US" sz="3200" dirty="0" smtClean="0"/>
+              <a:t>Confused at library entrance</a:t>
+            </a:r>
+          </a:p>
+          <a:p>
+            <a:r>
+              <a:rPr lang="en-US" sz="3200" dirty="0" smtClean="0"/>
+              <a:t>Looking for friends</a:t>
+            </a:r>
+          </a:p>
+          <a:p>
+            <a:r>
+              <a:rPr lang="en-US" sz="3200" dirty="0" smtClean="0"/>
+              <a:t>Looking for place</a:t>
+            </a:r>
+          </a:p>
+          <a:p>
+            <a:r>
+              <a:rPr lang="en-US" sz="3200" dirty="0" smtClean="0"/>
+              <a:t>Need help with a course</a:t>
+            </a:r>
+          </a:p>
+          <a:p>
+            <a:r>
+              <a:rPr lang="en-US" sz="3200" dirty="0" smtClean="0"/>
+              <a:t>Hate relying on WhatsApp replies (only getting blue ticks)</a:t>
+            </a:r>
+            <a:endParaRPr lang="en-US" sz="3200" dirty="0"/>
+          </a:p>
+        </p:txBody>
+      </p:sp>
+      <p:pic>
+        <p:nvPicPr>
+          <p:cNvPr id="5" name="Content Placeholder 4"/>
+          <p:cNvPicPr>
+            <a:picLocks noGrp="1" noChangeAspect="1"/>
+          </p:cNvPicPr>
+          <p:nvPr>
+            <p:ph sz="half" idx="2"/>
+          </p:nvPr>
+        </p:nvPicPr>
+        <p:blipFill>
+          <a:blip r:embed="rId2" cstate="email">
+            <a:extLst>
+              <a:ext uri="{28A0092B-C50C-407E-A947-70E740481C1C}">
+                <a14:useLocalDpi xmlns:a14="http://schemas.microsoft.com/office/drawing/2010/main" val="0"/>
+              </a:ext>
+            </a:extLst>
+          </a:blip>
+          <a:stretch>
+            <a:fillRect/>
+          </a:stretch>
+        </p:blipFill>
+        <p:spPr>
+          <a:xfrm rot="1200362">
+            <a:off x="4285835" y="1830229"/>
+            <a:ext cx="4082418" cy="4002213"/>
+          </a:xfrm>
+        </p:spPr>
+      </p:pic>
     </p:spTree>
     <p:extLst>
       <p:ext uri="{BB962C8B-B14F-4D97-AF65-F5344CB8AC3E}">
-        <p14:creationId xmlns:p14="http://schemas.microsoft.com/office/powerpoint/2010/main" val="2679269164"/>
+        <p14:creationId xmlns:p14="http://schemas.microsoft.com/office/powerpoint/2010/main" val="2943540226"/>
+      </p:ext>
+    </p:extLst>
+  </p:cSld>
+  <p:clrMapOvr>
+    <a:masterClrMapping/>
+  </p:clrMapOvr>
+</p:sld>
+</file>
+
+<file path=ppt/slides/slide3.xml><?xml version="1.0" encoding="utf-8"?>
+<p:sld xmlns:a="http://schemas.openxmlformats.org/drawingml/2006/main" xmlns:r="http://schemas.openxmlformats.org/officeDocument/2006/relationships" xmlns:p="http://schemas.openxmlformats.org/presentationml/2006/main">
+  <p:cSld>
+    <p:spTree>
+      <p:nvGrpSpPr>
+        <p:cNvPr id="1" name=""/>
+        <p:cNvGrpSpPr/>
+        <p:nvPr/>
+      </p:nvGrpSpPr>
+      <p:grpSpPr>
+        <a:xfrm>
+          <a:off x="0" y="0"/>
+          <a:ext cx="0" cy="0"/>
+          <a:chOff x="0" y="0"/>
+          <a:chExt cx="0" cy="0"/>
+        </a:xfrm>
+      </p:grpSpPr>
+      <p:sp>
+        <p:nvSpPr>
+          <p:cNvPr id="2" name="Title 1"/>
+          <p:cNvSpPr>
+            <a:spLocks noGrp="1"/>
+          </p:cNvSpPr>
+          <p:nvPr>
+            <p:ph type="title"/>
+          </p:nvPr>
+        </p:nvSpPr>
+        <p:spPr/>
+        <p:txBody>
+          <a:bodyPr/>
+          <a:lstStyle/>
+          <a:p>
+            <a:r>
+              <a:rPr lang="en-US" dirty="0" smtClean="0"/>
+              <a:t>The Library should help us</a:t>
+            </a:r>
+            <a:endParaRPr lang="en-US" dirty="0"/>
+          </a:p>
+        </p:txBody>
+      </p:sp>
+      <p:sp>
+        <p:nvSpPr>
+          <p:cNvPr id="3" name="Content Placeholder 2"/>
+          <p:cNvSpPr>
+            <a:spLocks noGrp="1"/>
+          </p:cNvSpPr>
+          <p:nvPr>
+            <p:ph idx="1"/>
+          </p:nvPr>
+        </p:nvSpPr>
+        <p:spPr/>
+        <p:txBody>
+          <a:bodyPr>
+            <a:normAutofit/>
+          </a:bodyPr>
+          <a:lstStyle/>
+          <a:p>
+            <a:r>
+              <a:rPr lang="en-US" sz="3600" dirty="0" smtClean="0"/>
+              <a:t>It should tell us who is here</a:t>
+            </a:r>
+          </a:p>
+          <a:p>
+            <a:r>
+              <a:rPr lang="en-US" sz="3600" dirty="0" smtClean="0"/>
+              <a:t>It should tell us where there is place</a:t>
+            </a:r>
+          </a:p>
+          <a:p>
+            <a:r>
+              <a:rPr lang="en-US" sz="3600" dirty="0" smtClean="0"/>
+              <a:t>It should know about the study activities</a:t>
+            </a:r>
+          </a:p>
+          <a:p>
+            <a:r>
+              <a:rPr lang="en-US" sz="3600" dirty="0" smtClean="0"/>
+              <a:t>It should be able to guide us regarding this information</a:t>
+            </a:r>
+            <a:endParaRPr lang="en-US" sz="3600" dirty="0"/>
+          </a:p>
+        </p:txBody>
+      </p:sp>
+    </p:spTree>
+    <p:extLst>
+      <p:ext uri="{BB962C8B-B14F-4D97-AF65-F5344CB8AC3E}">
+        <p14:creationId xmlns:p14="http://schemas.microsoft.com/office/powerpoint/2010/main" val="258539454"/>
+      </p:ext>
+    </p:extLst>
+  </p:cSld>
+  <p:clrMapOvr>
+    <a:masterClrMapping/>
+  </p:clrMapOvr>
+</p:sld>
+</file>
+
+<file path=ppt/slides/slide4.xml><?xml version="1.0" encoding="utf-8"?>
+<p:sld xmlns:a="http://schemas.openxmlformats.org/drawingml/2006/main" xmlns:r="http://schemas.openxmlformats.org/officeDocument/2006/relationships" xmlns:p="http://schemas.openxmlformats.org/presentationml/2006/main">
+  <p:cSld>
+    <p:spTree>
+      <p:nvGrpSpPr>
+        <p:cNvPr id="1" name=""/>
+        <p:cNvGrpSpPr/>
+        <p:nvPr/>
+      </p:nvGrpSpPr>
+      <p:grpSpPr>
+        <a:xfrm>
+          <a:off x="0" y="0"/>
+          <a:ext cx="0" cy="0"/>
+          <a:chOff x="0" y="0"/>
+          <a:chExt cx="0" cy="0"/>
+        </a:xfrm>
+      </p:grpSpPr>
+      <p:sp>
+        <p:nvSpPr>
+          <p:cNvPr id="2" name="Title 1"/>
+          <p:cNvSpPr>
+            <a:spLocks noGrp="1"/>
+          </p:cNvSpPr>
+          <p:nvPr>
+            <p:ph type="title"/>
+          </p:nvPr>
+        </p:nvSpPr>
+        <p:spPr/>
+        <p:txBody>
+          <a:bodyPr/>
+          <a:lstStyle/>
+          <a:p>
+            <a:r>
+              <a:rPr lang="en-US" dirty="0" smtClean="0"/>
+              <a:t>Ingredients</a:t>
+            </a:r>
+            <a:endParaRPr lang="en-US" dirty="0"/>
+          </a:p>
+        </p:txBody>
+      </p:sp>
+      <p:sp>
+        <p:nvSpPr>
+          <p:cNvPr id="3" name="Content Placeholder 2"/>
+          <p:cNvSpPr>
+            <a:spLocks noGrp="1"/>
+          </p:cNvSpPr>
+          <p:nvPr>
+            <p:ph idx="1"/>
+          </p:nvPr>
+        </p:nvSpPr>
+        <p:spPr/>
+        <p:txBody>
+          <a:bodyPr/>
+          <a:lstStyle/>
+          <a:p>
+            <a:r>
+              <a:rPr lang="en-US" dirty="0" smtClean="0"/>
+              <a:t>Beacons for location and context</a:t>
+            </a:r>
+          </a:p>
+          <a:p>
+            <a:r>
+              <a:rPr lang="en-US" dirty="0" err="1" smtClean="0"/>
+              <a:t>Brillo</a:t>
+            </a:r>
+            <a:r>
+              <a:rPr lang="en-US" dirty="0" smtClean="0"/>
+              <a:t>-Weave duo for tracking footfall</a:t>
+            </a:r>
+          </a:p>
+          <a:p>
+            <a:r>
+              <a:rPr lang="en-US" dirty="0" smtClean="0"/>
+              <a:t>Cloud service to manage our data</a:t>
+            </a:r>
+          </a:p>
+          <a:p>
+            <a:r>
+              <a:rPr lang="en-US" dirty="0" smtClean="0"/>
+              <a:t>Mobile app as a user interface</a:t>
+            </a:r>
+            <a:endParaRPr lang="en-US" dirty="0"/>
+          </a:p>
+        </p:txBody>
+      </p:sp>
+    </p:spTree>
+    <p:extLst>
+      <p:ext uri="{BB962C8B-B14F-4D97-AF65-F5344CB8AC3E}">
+        <p14:creationId xmlns:p14="http://schemas.microsoft.com/office/powerpoint/2010/main" val="298289409"/>
+      </p:ext>
+    </p:extLst>
+  </p:cSld>
+  <p:clrMapOvr>
+    <a:masterClrMapping/>
+  </p:clrMapOvr>
+</p:sld>
+</file>
+
+<file path=ppt/slides/slide5.xml><?xml version="1.0" encoding="utf-8"?>
+<p:sld xmlns:a="http://schemas.openxmlformats.org/drawingml/2006/main" xmlns:r="http://schemas.openxmlformats.org/officeDocument/2006/relationships" xmlns:p="http://schemas.openxmlformats.org/presentationml/2006/main">
+  <p:cSld>
+    <p:spTree>
+      <p:nvGrpSpPr>
+        <p:cNvPr id="1" name=""/>
+        <p:cNvGrpSpPr/>
+        <p:nvPr/>
+      </p:nvGrpSpPr>
+      <p:grpSpPr>
+        <a:xfrm>
+          <a:off x="0" y="0"/>
+          <a:ext cx="0" cy="0"/>
+          <a:chOff x="0" y="0"/>
+          <a:chExt cx="0" cy="0"/>
+        </a:xfrm>
+      </p:grpSpPr>
+      <p:sp>
+        <p:nvSpPr>
+          <p:cNvPr id="2" name="Title 1"/>
+          <p:cNvSpPr>
+            <a:spLocks noGrp="1"/>
+          </p:cNvSpPr>
+          <p:nvPr>
+            <p:ph type="title"/>
+          </p:nvPr>
+        </p:nvSpPr>
+        <p:spPr/>
+        <p:txBody>
+          <a:bodyPr/>
+          <a:lstStyle/>
+          <a:p>
+            <a:r>
+              <a:rPr lang="en-US" dirty="0" smtClean="0"/>
+              <a:t>Architecture</a:t>
+            </a:r>
+            <a:endParaRPr lang="en-US" dirty="0"/>
+          </a:p>
+        </p:txBody>
+      </p:sp>
+      <p:sp>
+        <p:nvSpPr>
+          <p:cNvPr id="3" name="Content Placeholder 2"/>
+          <p:cNvSpPr>
+            <a:spLocks noGrp="1"/>
+          </p:cNvSpPr>
+          <p:nvPr>
+            <p:ph idx="1"/>
+          </p:nvPr>
+        </p:nvSpPr>
+        <p:spPr/>
+        <p:txBody>
+          <a:bodyPr/>
+          <a:lstStyle/>
+          <a:p>
+            <a:endParaRPr lang="en-US"/>
+          </a:p>
+        </p:txBody>
+      </p:sp>
+    </p:spTree>
+    <p:extLst>
+      <p:ext uri="{BB962C8B-B14F-4D97-AF65-F5344CB8AC3E}">
+        <p14:creationId xmlns:p14="http://schemas.microsoft.com/office/powerpoint/2010/main" val="1624479069"/>
+      </p:ext>
+    </p:extLst>
+  </p:cSld>
+  <p:clrMapOvr>
+    <a:masterClrMapping/>
+  </p:clrMapOvr>
+</p:sld>
+</file>
+
+<file path=ppt/slides/slide6.xml><?xml version="1.0" encoding="utf-8"?>
+<p:sld xmlns:a="http://schemas.openxmlformats.org/drawingml/2006/main" xmlns:r="http://schemas.openxmlformats.org/officeDocument/2006/relationships" xmlns:p="http://schemas.openxmlformats.org/presentationml/2006/main">
+  <p:cSld>
+    <p:spTree>
+      <p:nvGrpSpPr>
+        <p:cNvPr id="1" name=""/>
+        <p:cNvGrpSpPr/>
+        <p:nvPr/>
+      </p:nvGrpSpPr>
+      <p:grpSpPr>
+        <a:xfrm>
+          <a:off x="0" y="0"/>
+          <a:ext cx="0" cy="0"/>
+          <a:chOff x="0" y="0"/>
+          <a:chExt cx="0" cy="0"/>
+        </a:xfrm>
+      </p:grpSpPr>
+      <p:sp>
+        <p:nvSpPr>
+          <p:cNvPr id="2" name="Title 1"/>
+          <p:cNvSpPr>
+            <a:spLocks noGrp="1"/>
+          </p:cNvSpPr>
+          <p:nvPr>
+            <p:ph type="title"/>
+          </p:nvPr>
+        </p:nvSpPr>
+        <p:spPr/>
+        <p:txBody>
+          <a:bodyPr/>
+          <a:lstStyle/>
+          <a:p>
+            <a:r>
+              <a:rPr lang="en-US" dirty="0" smtClean="0"/>
+              <a:t>Status</a:t>
+            </a:r>
+            <a:endParaRPr lang="en-US" dirty="0"/>
+          </a:p>
+        </p:txBody>
+      </p:sp>
+      <p:graphicFrame>
+        <p:nvGraphicFramePr>
+          <p:cNvPr id="6" name="Content Placeholder 5"/>
+          <p:cNvGraphicFramePr>
+            <a:graphicFrameLocks noGrp="1"/>
+          </p:cNvGraphicFramePr>
+          <p:nvPr>
+            <p:ph sz="half" idx="1"/>
+            <p:extLst>
+              <p:ext uri="{D42A27DB-BD31-4B8C-83A1-F6EECF244321}">
+                <p14:modId xmlns:p14="http://schemas.microsoft.com/office/powerpoint/2010/main" val="1444366017"/>
+              </p:ext>
+            </p:extLst>
+          </p:nvPr>
+        </p:nvGraphicFramePr>
+        <p:xfrm>
+          <a:off x="457200" y="1536699"/>
+          <a:ext cx="7288212" cy="4185227"/>
+        </p:xfrm>
+        <a:graphic>
+          <a:graphicData uri="http://schemas.openxmlformats.org/drawingml/2006/table">
+            <a:tbl>
+              <a:tblPr firstRow="1" bandRow="1">
+                <a:tableStyleId>{5C22544A-7EE6-4342-B048-85BDC9FD1C3A}</a:tableStyleId>
+              </a:tblPr>
+              <a:tblGrid>
+                <a:gridCol w="2429404">
+                  <a:extLst>
+                    <a:ext uri="{9D8B030D-6E8A-4147-A177-3AD203B41FA5}">
+                      <a16:colId xmlns:a16="http://schemas.microsoft.com/office/drawing/2014/main" val="2743192451"/>
+                    </a:ext>
+                  </a:extLst>
+                </a:gridCol>
+                <a:gridCol w="2429404">
+                  <a:extLst>
+                    <a:ext uri="{9D8B030D-6E8A-4147-A177-3AD203B41FA5}">
+                      <a16:colId xmlns:a16="http://schemas.microsoft.com/office/drawing/2014/main" val="2284893646"/>
+                    </a:ext>
+                  </a:extLst>
+                </a:gridCol>
+                <a:gridCol w="2429404">
+                  <a:extLst>
+                    <a:ext uri="{9D8B030D-6E8A-4147-A177-3AD203B41FA5}">
+                      <a16:colId xmlns:a16="http://schemas.microsoft.com/office/drawing/2014/main" val="1513409434"/>
+                    </a:ext>
+                  </a:extLst>
+                </a:gridCol>
+              </a:tblGrid>
+              <a:tr h="446017">
+                <a:tc>
+                  <a:txBody>
+                    <a:bodyPr/>
+                    <a:lstStyle/>
+                    <a:p>
+                      <a:r>
+                        <a:rPr lang="en-US" dirty="0" smtClean="0"/>
+                        <a:t>COMPONENT</a:t>
+                      </a:r>
+                      <a:endParaRPr lang="en-US" dirty="0"/>
+                    </a:p>
+                  </a:txBody>
+                  <a:tcPr/>
+                </a:tc>
+                <a:tc>
+                  <a:txBody>
+                    <a:bodyPr/>
+                    <a:lstStyle/>
+                    <a:p>
+                      <a:r>
+                        <a:rPr lang="en-US" dirty="0" smtClean="0"/>
+                        <a:t>COMPLETED</a:t>
+                      </a:r>
+                      <a:endParaRPr lang="en-US" dirty="0"/>
+                    </a:p>
+                  </a:txBody>
+                  <a:tcPr/>
+                </a:tc>
+                <a:tc>
+                  <a:txBody>
+                    <a:bodyPr/>
+                    <a:lstStyle/>
+                    <a:p>
+                      <a:r>
+                        <a:rPr lang="en-US" dirty="0" smtClean="0"/>
+                        <a:t>PENDING</a:t>
+                      </a:r>
+                      <a:endParaRPr lang="en-US" dirty="0"/>
+                    </a:p>
+                  </a:txBody>
+                  <a:tcPr/>
+                </a:tc>
+                <a:extLst>
+                  <a:ext uri="{0D108BD9-81ED-4DB2-BD59-A6C34878D82A}">
+                    <a16:rowId xmlns:a16="http://schemas.microsoft.com/office/drawing/2014/main" val="4236738760"/>
+                  </a:ext>
+                </a:extLst>
+              </a:tr>
+              <a:tr h="1099768">
+                <a:tc>
+                  <a:txBody>
+                    <a:bodyPr/>
+                    <a:lstStyle/>
+                    <a:p>
+                      <a:r>
+                        <a:rPr lang="en-US" dirty="0" smtClean="0"/>
+                        <a:t>BEACONS</a:t>
+                      </a:r>
+                      <a:endParaRPr lang="en-US" dirty="0"/>
+                    </a:p>
+                  </a:txBody>
+                  <a:tcPr/>
+                </a:tc>
+                <a:tc>
+                  <a:txBody>
+                    <a:bodyPr/>
+                    <a:lstStyle/>
+                    <a:p>
+                      <a:r>
+                        <a:rPr lang="en-US" dirty="0" smtClean="0"/>
+                        <a:t>Room data associated with attachments successfully</a:t>
+                      </a:r>
+                      <a:endParaRPr lang="en-US" dirty="0"/>
+                    </a:p>
+                  </a:txBody>
+                  <a:tcPr/>
+                </a:tc>
+                <a:tc>
+                  <a:txBody>
+                    <a:bodyPr/>
+                    <a:lstStyle/>
+                    <a:p>
+                      <a:r>
+                        <a:rPr lang="en-US" dirty="0" smtClean="0"/>
+                        <a:t>Common space beacons – would need more</a:t>
+                      </a:r>
+                      <a:endParaRPr lang="en-US" dirty="0"/>
+                    </a:p>
+                  </a:txBody>
+                  <a:tcPr/>
+                </a:tc>
+                <a:extLst>
+                  <a:ext uri="{0D108BD9-81ED-4DB2-BD59-A6C34878D82A}">
+                    <a16:rowId xmlns:a16="http://schemas.microsoft.com/office/drawing/2014/main" val="2893823940"/>
+                  </a:ext>
+                </a:extLst>
+              </a:tr>
+              <a:tr h="769837">
+                <a:tc>
+                  <a:txBody>
+                    <a:bodyPr/>
+                    <a:lstStyle/>
+                    <a:p>
+                      <a:r>
+                        <a:rPr lang="en-US" dirty="0" smtClean="0"/>
+                        <a:t>BRILLO-WEAVE </a:t>
+                      </a:r>
+                      <a:endParaRPr lang="en-US" dirty="0"/>
+                    </a:p>
+                  </a:txBody>
+                  <a:tcPr/>
+                </a:tc>
+                <a:tc>
+                  <a:txBody>
+                    <a:bodyPr/>
+                    <a:lstStyle/>
+                    <a:p>
+                      <a:r>
+                        <a:rPr lang="en-US" dirty="0" smtClean="0"/>
+                        <a:t>Integration of our cloud service with Weave</a:t>
+                      </a:r>
+                      <a:endParaRPr lang="en-US" dirty="0"/>
+                    </a:p>
+                  </a:txBody>
+                  <a:tcPr/>
+                </a:tc>
+                <a:tc>
+                  <a:txBody>
+                    <a:bodyPr/>
+                    <a:lstStyle/>
+                    <a:p>
+                      <a:r>
+                        <a:rPr lang="en-US" dirty="0" smtClean="0"/>
+                        <a:t>Hardware sensors instead</a:t>
+                      </a:r>
+                      <a:r>
+                        <a:rPr lang="en-US" baseline="0" dirty="0" smtClean="0"/>
+                        <a:t> of mocked data</a:t>
+                      </a:r>
+                      <a:endParaRPr lang="en-US" dirty="0"/>
+                    </a:p>
+                  </a:txBody>
+                  <a:tcPr/>
+                </a:tc>
+                <a:extLst>
+                  <a:ext uri="{0D108BD9-81ED-4DB2-BD59-A6C34878D82A}">
+                    <a16:rowId xmlns:a16="http://schemas.microsoft.com/office/drawing/2014/main" val="3873303208"/>
+                  </a:ext>
+                </a:extLst>
+              </a:tr>
+              <a:tr h="769837">
+                <a:tc>
+                  <a:txBody>
+                    <a:bodyPr/>
+                    <a:lstStyle/>
+                    <a:p>
+                      <a:r>
+                        <a:rPr lang="en-US" dirty="0" smtClean="0"/>
+                        <a:t>CLOUD SERVICE</a:t>
+                      </a:r>
+                      <a:endParaRPr lang="en-US" dirty="0"/>
+                    </a:p>
+                  </a:txBody>
+                  <a:tcPr/>
+                </a:tc>
+                <a:tc>
+                  <a:txBody>
+                    <a:bodyPr/>
+                    <a:lstStyle/>
+                    <a:p>
+                      <a:r>
+                        <a:rPr lang="en-US" dirty="0" smtClean="0"/>
+                        <a:t>Providing all the APIs</a:t>
+                      </a:r>
+                      <a:r>
+                        <a:rPr lang="en-US" baseline="0" dirty="0" smtClean="0"/>
+                        <a:t> currently required</a:t>
+                      </a:r>
+                      <a:endParaRPr lang="en-US" dirty="0"/>
+                    </a:p>
+                  </a:txBody>
+                  <a:tcPr/>
+                </a:tc>
+                <a:tc>
+                  <a:txBody>
+                    <a:bodyPr/>
+                    <a:lstStyle/>
+                    <a:p>
+                      <a:r>
+                        <a:rPr lang="en-US" dirty="0" smtClean="0"/>
+                        <a:t>Performance tuning for cost efficiency</a:t>
+                      </a:r>
+                      <a:endParaRPr lang="en-US" dirty="0"/>
+                    </a:p>
+                  </a:txBody>
+                  <a:tcPr/>
+                </a:tc>
+                <a:extLst>
+                  <a:ext uri="{0D108BD9-81ED-4DB2-BD59-A6C34878D82A}">
+                    <a16:rowId xmlns:a16="http://schemas.microsoft.com/office/drawing/2014/main" val="213650638"/>
+                  </a:ext>
+                </a:extLst>
+              </a:tr>
+              <a:tr h="1099768">
+                <a:tc>
+                  <a:txBody>
+                    <a:bodyPr/>
+                    <a:lstStyle/>
+                    <a:p>
+                      <a:r>
+                        <a:rPr lang="en-US" dirty="0" smtClean="0"/>
+                        <a:t>MOBILE APP</a:t>
+                      </a:r>
+                      <a:endParaRPr lang="en-US" dirty="0"/>
+                    </a:p>
+                  </a:txBody>
+                  <a:tcPr/>
+                </a:tc>
+                <a:tc>
+                  <a:txBody>
+                    <a:bodyPr/>
+                    <a:lstStyle/>
+                    <a:p>
+                      <a:r>
+                        <a:rPr lang="en-US" dirty="0" smtClean="0"/>
+                        <a:t>Providing the visualized functionalities as expected</a:t>
+                      </a:r>
+                      <a:endParaRPr lang="en-US" dirty="0"/>
+                    </a:p>
+                  </a:txBody>
+                  <a:tcPr/>
+                </a:tc>
+                <a:tc>
+                  <a:txBody>
+                    <a:bodyPr/>
+                    <a:lstStyle/>
+                    <a:p>
+                      <a:r>
+                        <a:rPr lang="en-US" dirty="0" smtClean="0"/>
+                        <a:t>UX enhancements to improve ease of use</a:t>
+                      </a:r>
+                      <a:endParaRPr lang="en-US" dirty="0"/>
+                    </a:p>
+                  </a:txBody>
+                  <a:tcPr/>
+                </a:tc>
+                <a:extLst>
+                  <a:ext uri="{0D108BD9-81ED-4DB2-BD59-A6C34878D82A}">
+                    <a16:rowId xmlns:a16="http://schemas.microsoft.com/office/drawing/2014/main" val="286267141"/>
+                  </a:ext>
+                </a:extLst>
+              </a:tr>
+            </a:tbl>
+          </a:graphicData>
+        </a:graphic>
+      </p:graphicFrame>
+    </p:spTree>
+    <p:extLst>
+      <p:ext uri="{BB962C8B-B14F-4D97-AF65-F5344CB8AC3E}">
+        <p14:creationId xmlns:p14="http://schemas.microsoft.com/office/powerpoint/2010/main" val="1120159846"/>
+      </p:ext>
+    </p:extLst>
+  </p:cSld>
+  <p:clrMapOvr>
+    <a:masterClrMapping/>
+  </p:clrMapOvr>
+</p:sld>
+</file>
+
+<file path=ppt/slides/slide7.xml><?xml version="1.0" encoding="utf-8"?>
+<p:sld xmlns:a="http://schemas.openxmlformats.org/drawingml/2006/main" xmlns:r="http://schemas.openxmlformats.org/officeDocument/2006/relationships" xmlns:p="http://schemas.openxmlformats.org/presentationml/2006/main">
+  <p:cSld>
+    <p:spTree>
+      <p:nvGrpSpPr>
+        <p:cNvPr id="1" name=""/>
+        <p:cNvGrpSpPr/>
+        <p:nvPr/>
+      </p:nvGrpSpPr>
+      <p:grpSpPr>
+        <a:xfrm>
+          <a:off x="0" y="0"/>
+          <a:ext cx="0" cy="0"/>
+          <a:chOff x="0" y="0"/>
+          <a:chExt cx="0" cy="0"/>
+        </a:xfrm>
+      </p:grpSpPr>
+      <p:sp>
+        <p:nvSpPr>
+          <p:cNvPr id="2" name="Title 1"/>
+          <p:cNvSpPr>
+            <a:spLocks noGrp="1"/>
+          </p:cNvSpPr>
+          <p:nvPr>
+            <p:ph type="title"/>
+          </p:nvPr>
+        </p:nvSpPr>
+        <p:spPr/>
+        <p:txBody>
+          <a:bodyPr/>
+          <a:lstStyle/>
+          <a:p>
+            <a:r>
+              <a:rPr lang="en-US" dirty="0" smtClean="0"/>
+              <a:t>Can we make money</a:t>
+            </a:r>
+            <a:endParaRPr lang="en-US" dirty="0"/>
+          </a:p>
+        </p:txBody>
+      </p:sp>
+      <p:sp>
+        <p:nvSpPr>
+          <p:cNvPr id="3" name="Content Placeholder 2"/>
+          <p:cNvSpPr>
+            <a:spLocks noGrp="1"/>
+          </p:cNvSpPr>
+          <p:nvPr>
+            <p:ph sz="half" idx="1"/>
+          </p:nvPr>
+        </p:nvSpPr>
+        <p:spPr>
+          <a:xfrm>
+            <a:off x="457199" y="1536192"/>
+            <a:ext cx="5805055" cy="4590288"/>
+          </a:xfrm>
+        </p:spPr>
+        <p:txBody>
+          <a:bodyPr/>
+          <a:lstStyle/>
+          <a:p>
+            <a:r>
+              <a:rPr lang="en-US" dirty="0" smtClean="0"/>
+              <a:t>Not straightforward, but YES!</a:t>
+            </a:r>
+          </a:p>
+          <a:p>
+            <a:r>
+              <a:rPr lang="en-US" dirty="0" smtClean="0"/>
+              <a:t>Enhances user experience</a:t>
+            </a:r>
+          </a:p>
+          <a:p>
+            <a:r>
+              <a:rPr lang="en-US" dirty="0" smtClean="0"/>
+              <a:t>Not limited to a library</a:t>
+            </a:r>
+          </a:p>
+          <a:p>
+            <a:r>
+              <a:rPr lang="en-US" dirty="0" smtClean="0"/>
+              <a:t>Parks</a:t>
+            </a:r>
+          </a:p>
+          <a:p>
+            <a:r>
+              <a:rPr lang="en-US" dirty="0" smtClean="0"/>
+              <a:t>Conferences</a:t>
+            </a:r>
+          </a:p>
+          <a:p>
+            <a:r>
+              <a:rPr lang="en-US" dirty="0" smtClean="0"/>
+              <a:t>Wedding halls</a:t>
+            </a:r>
+          </a:p>
+          <a:p>
+            <a:r>
+              <a:rPr lang="en-US" dirty="0" smtClean="0"/>
+              <a:t>Public spaces need it</a:t>
+            </a:r>
+            <a:endParaRPr lang="en-US" dirty="0"/>
+          </a:p>
+        </p:txBody>
+      </p:sp>
+      <p:pic>
+        <p:nvPicPr>
+          <p:cNvPr id="5" name="Content Placeholder 4"/>
+          <p:cNvPicPr>
+            <a:picLocks noGrp="1" noChangeAspect="1"/>
+          </p:cNvPicPr>
+          <p:nvPr>
+            <p:ph sz="half" idx="2"/>
+          </p:nvPr>
+        </p:nvPicPr>
+        <p:blipFill>
+          <a:blip r:embed="rId2">
+            <a:extLst>
+              <a:ext uri="{28A0092B-C50C-407E-A947-70E740481C1C}">
+                <a14:useLocalDpi xmlns:a14="http://schemas.microsoft.com/office/drawing/2010/main" val="0"/>
+              </a:ext>
+            </a:extLst>
+          </a:blip>
+          <a:stretch>
+            <a:fillRect/>
+          </a:stretch>
+        </p:blipFill>
+        <p:spPr>
+          <a:xfrm rot="20089253">
+            <a:off x="3973701" y="2612378"/>
+            <a:ext cx="4549787" cy="2811713"/>
+          </a:xfrm>
+        </p:spPr>
+      </p:pic>
+    </p:spTree>
+    <p:extLst>
+      <p:ext uri="{BB962C8B-B14F-4D97-AF65-F5344CB8AC3E}">
+        <p14:creationId xmlns:p14="http://schemas.microsoft.com/office/powerpoint/2010/main" val="2778982106"/>
+      </p:ext>
+    </p:extLst>
+  </p:cSld>
+  <p:clrMapOvr>
+    <a:masterClrMapping/>
+  </p:clrMapOvr>
+</p:sld>
+</file>
+
+<file path=ppt/slides/slide8.xml><?xml version="1.0" encoding="utf-8"?>
+<p:sld xmlns:a="http://schemas.openxmlformats.org/drawingml/2006/main" xmlns:r="http://schemas.openxmlformats.org/officeDocument/2006/relationships" xmlns:p="http://schemas.openxmlformats.org/presentationml/2006/main">
+  <p:cSld>
+    <p:spTree>
+      <p:nvGrpSpPr>
+        <p:cNvPr id="1" name=""/>
+        <p:cNvGrpSpPr/>
+        <p:nvPr/>
+      </p:nvGrpSpPr>
+      <p:grpSpPr>
+        <a:xfrm>
+          <a:off x="0" y="0"/>
+          <a:ext cx="0" cy="0"/>
+          <a:chOff x="0" y="0"/>
+          <a:chExt cx="0" cy="0"/>
+        </a:xfrm>
+      </p:grpSpPr>
+      <p:sp>
+        <p:nvSpPr>
+          <p:cNvPr id="2" name="Title 1"/>
+          <p:cNvSpPr>
+            <a:spLocks noGrp="1"/>
+          </p:cNvSpPr>
+          <p:nvPr>
+            <p:ph type="title"/>
+          </p:nvPr>
+        </p:nvSpPr>
+        <p:spPr/>
+        <p:txBody>
+          <a:bodyPr/>
+          <a:lstStyle/>
+          <a:p>
+            <a:r>
+              <a:rPr lang="en-US" dirty="0" smtClean="0"/>
+              <a:t>Click for video demo!</a:t>
+            </a:r>
+            <a:endParaRPr lang="en-US" dirty="0"/>
+          </a:p>
+        </p:txBody>
+      </p:sp>
+      <p:sp>
+        <p:nvSpPr>
+          <p:cNvPr id="3" name="Content Placeholder 2"/>
+          <p:cNvSpPr>
+            <a:spLocks noGrp="1"/>
+          </p:cNvSpPr>
+          <p:nvPr>
+            <p:ph sz="half" idx="1"/>
+          </p:nvPr>
+        </p:nvSpPr>
+        <p:spPr>
+          <a:xfrm>
+            <a:off x="457200" y="1536192"/>
+            <a:ext cx="7315200" cy="4590288"/>
+          </a:xfrm>
+        </p:spPr>
+        <p:txBody>
+          <a:bodyPr/>
+          <a:lstStyle/>
+          <a:p>
+            <a:r>
+              <a:rPr lang="en-US" u="sng" dirty="0">
+                <a:hlinkClick r:id="rId2"/>
+              </a:rPr>
+              <a:t>https://www.youtube.com/watch?v=8BuyhqfnH_c</a:t>
+            </a:r>
+            <a:endParaRPr lang="en-US" dirty="0"/>
+          </a:p>
+        </p:txBody>
+      </p:sp>
+    </p:spTree>
+    <p:extLst>
+      <p:ext uri="{BB962C8B-B14F-4D97-AF65-F5344CB8AC3E}">
+        <p14:creationId xmlns:p14="http://schemas.microsoft.com/office/powerpoint/2010/main" val="3748024543"/>
+      </p:ext>
+    </p:extLst>
+  </p:cSld>
+  <p:clrMapOvr>
+    <a:masterClrMapping/>
+  </p:clrMapOvr>
+</p:sld>
+</file>
+
+<file path=ppt/slides/slide9.xml><?xml version="1.0" encoding="utf-8"?>
+<p:sld xmlns:a="http://schemas.openxmlformats.org/drawingml/2006/main" xmlns:r="http://schemas.openxmlformats.org/officeDocument/2006/relationships" xmlns:p="http://schemas.openxmlformats.org/presentationml/2006/main">
+  <p:cSld>
+    <p:spTree>
+      <p:nvGrpSpPr>
+        <p:cNvPr id="1" name=""/>
+        <p:cNvGrpSpPr/>
+        <p:nvPr/>
+      </p:nvGrpSpPr>
+      <p:grpSpPr>
+        <a:xfrm>
+          <a:off x="0" y="0"/>
+          <a:ext cx="0" cy="0"/>
+          <a:chOff x="0" y="0"/>
+          <a:chExt cx="0" cy="0"/>
+        </a:xfrm>
+      </p:grpSpPr>
+      <p:sp>
+        <p:nvSpPr>
+          <p:cNvPr id="2" name="Title 1"/>
+          <p:cNvSpPr>
+            <a:spLocks noGrp="1"/>
+          </p:cNvSpPr>
+          <p:nvPr>
+            <p:ph type="title"/>
+          </p:nvPr>
+        </p:nvSpPr>
+        <p:spPr>
+          <a:xfrm>
+            <a:off x="2133600" y="2410692"/>
+            <a:ext cx="7620000" cy="1251383"/>
+          </a:xfrm>
+        </p:spPr>
+        <p:txBody>
+          <a:bodyPr/>
+          <a:lstStyle/>
+          <a:p>
+            <a:r>
+              <a:rPr lang="en-US" dirty="0" smtClean="0"/>
+              <a:t>THANK YOU!</a:t>
+            </a:r>
+            <a:endParaRPr lang="en-US" dirty="0"/>
+          </a:p>
+        </p:txBody>
+      </p:sp>
+    </p:spTree>
+    <p:extLst>
+      <p:ext uri="{BB962C8B-B14F-4D97-AF65-F5344CB8AC3E}">
+        <p14:creationId xmlns:p14="http://schemas.microsoft.com/office/powerpoint/2010/main" val="445557773"/>
       </p:ext>
     </p:extLst>
   </p:cSld>

--- a/FinalPresentation.pptx
+++ b/FinalPresentation.pptx
@@ -327,7 +327,7 @@
             <a:fld id="{04AF466F-BDA4-4F18-9C7B-FF0A9A1B0E80}" type="datetime1">
               <a:rPr lang="en-US" smtClean="0"/>
               <a:pPr/>
-              <a:t>4/19/2016</a:t>
+              <a:t>4/20/2016</a:t>
             </a:fld>
             <a:endParaRPr lang="en-US"/>
           </a:p>
@@ -494,7 +494,7 @@
             <a:fld id="{58FB4290-6522-4139-852E-05BD9E7F0D2E}" type="datetime1">
               <a:rPr lang="en-US" smtClean="0"/>
               <a:pPr/>
-              <a:t>4/19/2016</a:t>
+              <a:t>4/20/2016</a:t>
             </a:fld>
             <a:endParaRPr lang="en-US"/>
           </a:p>
@@ -671,7 +671,7 @@
             <a:fld id="{AAB955F9-81EA-47C5-8059-9E5C2B437C70}" type="datetime1">
               <a:rPr lang="en-US" smtClean="0"/>
               <a:pPr/>
-              <a:t>4/19/2016</a:t>
+              <a:t>4/20/2016</a:t>
             </a:fld>
             <a:endParaRPr lang="en-US"/>
           </a:p>
@@ -838,7 +838,7 @@
             <a:fld id="{1CEF607B-A47E-422C-9BEF-122CCDB7C526}" type="datetime1">
               <a:rPr lang="en-US" smtClean="0"/>
               <a:pPr/>
-              <a:t>4/19/2016</a:t>
+              <a:t>4/20/2016</a:t>
             </a:fld>
             <a:endParaRPr lang="en-US"/>
           </a:p>
@@ -1081,7 +1081,7 @@
             <a:fld id="{63A9A7CB-BEE6-4F99-898E-913F06E8E125}" type="datetime1">
               <a:rPr lang="en-US" smtClean="0"/>
               <a:pPr/>
-              <a:t>4/19/2016</a:t>
+              <a:t>4/20/2016</a:t>
             </a:fld>
             <a:endParaRPr lang="en-US"/>
           </a:p>
@@ -1366,7 +1366,7 @@
             <a:fld id="{B6EE300C-6FC5-4FC3-AF1A-075E4F50620D}" type="datetime1">
               <a:rPr lang="en-US" smtClean="0"/>
               <a:pPr/>
-              <a:t>4/19/2016</a:t>
+              <a:t>4/20/2016</a:t>
             </a:fld>
             <a:endParaRPr lang="en-US"/>
           </a:p>
@@ -1797,7 +1797,7 @@
             <a:fld id="{F50D295D-4A77-4DEB-B04C-9F4282A8BC04}" type="datetime1">
               <a:rPr lang="en-US" smtClean="0"/>
               <a:pPr/>
-              <a:t>4/19/2016</a:t>
+              <a:t>4/20/2016</a:t>
             </a:fld>
             <a:endParaRPr lang="en-US"/>
           </a:p>
@@ -1912,7 +1912,7 @@
             <a:fld id="{02B28685-4D0C-42D5-8013-B5904CD1FCBC}" type="datetime1">
               <a:rPr lang="en-US" smtClean="0"/>
               <a:pPr/>
-              <a:t>4/19/2016</a:t>
+              <a:t>4/20/2016</a:t>
             </a:fld>
             <a:endParaRPr lang="en-US"/>
           </a:p>
@@ -2004,7 +2004,7 @@
             <a:fld id="{FDF226C0-9885-4BA9-BBFA-A52CBFEBB775}" type="datetime1">
               <a:rPr lang="en-US" smtClean="0"/>
               <a:pPr/>
-              <a:t>4/19/2016</a:t>
+              <a:t>4/20/2016</a:t>
             </a:fld>
             <a:endParaRPr lang="en-US"/>
           </a:p>
@@ -2195,7 +2195,7 @@
             <a:fld id="{EBEE1B38-C5EB-4D66-9137-0AFE9CDEDE8F}" type="datetime1">
               <a:rPr lang="en-US" smtClean="0"/>
               <a:pPr/>
-              <a:t>4/19/2016</a:t>
+              <a:t>4/20/2016</a:t>
             </a:fld>
             <a:endParaRPr lang="en-US"/>
           </a:p>
@@ -2515,7 +2515,7 @@
             <a:fld id="{327B613C-1AD7-49D3-885D-F654C5CDBAA6}" type="datetime1">
               <a:rPr lang="en-US" smtClean="0"/>
               <a:pPr/>
-              <a:t>4/19/2016</a:t>
+              <a:t>4/20/2016</a:t>
             </a:fld>
             <a:endParaRPr lang="en-US" dirty="0"/>
           </a:p>
@@ -2897,7 +2897,7 @@
             <a:fld id="{327B613C-1AD7-49D3-885D-F654C5CDBAA6}" type="datetime1">
               <a:rPr lang="en-US" smtClean="0"/>
               <a:pPr/>
-              <a:t>4/19/2016</a:t>
+              <a:t>4/20/2016</a:t>
             </a:fld>
             <a:endParaRPr lang="en-US" dirty="0"/>
           </a:p>
@@ -3951,22 +3951,1306 @@
           </a:p>
         </p:txBody>
       </p:sp>
-      <p:sp>
-        <p:nvSpPr>
-          <p:cNvPr id="3" name="Content Placeholder 2"/>
-          <p:cNvSpPr>
-            <a:spLocks noGrp="1"/>
-          </p:cNvSpPr>
-          <p:nvPr>
-            <p:ph idx="1"/>
-          </p:nvPr>
-        </p:nvSpPr>
-        <p:spPr/>
-        <p:txBody>
-          <a:bodyPr/>
-          <a:lstStyle/>
-          <a:p>
-            <a:endParaRPr lang="en-US"/>
+      <p:grpSp>
+        <p:nvGrpSpPr>
+          <p:cNvPr id="82" name="Group 81"/>
+          <p:cNvGrpSpPr/>
+          <p:nvPr/>
+        </p:nvGrpSpPr>
+        <p:grpSpPr>
+          <a:xfrm>
+            <a:off x="752474" y="1123950"/>
+            <a:ext cx="6429375" cy="5334000"/>
+            <a:chOff x="0" y="0"/>
+            <a:chExt cx="6429375" cy="5334000"/>
+          </a:xfrm>
+        </p:grpSpPr>
+        <p:sp>
+          <p:nvSpPr>
+            <p:cNvPr id="83" name="Flowchart: Magnetic Disk 82"/>
+            <p:cNvSpPr/>
+            <p:nvPr/>
+          </p:nvSpPr>
+          <p:spPr>
+            <a:xfrm>
+              <a:off x="5657850" y="438150"/>
+              <a:ext cx="304800" cy="428625"/>
+            </a:xfrm>
+            <a:prstGeom prst="flowChartMagneticDisk">
+              <a:avLst/>
+            </a:prstGeom>
+          </p:spPr>
+          <p:style>
+            <a:lnRef idx="2">
+              <a:schemeClr val="accent1">
+                <a:shade val="50000"/>
+              </a:schemeClr>
+            </a:lnRef>
+            <a:fillRef idx="1">
+              <a:schemeClr val="accent1"/>
+            </a:fillRef>
+            <a:effectRef idx="0">
+              <a:schemeClr val="accent1"/>
+            </a:effectRef>
+            <a:fontRef idx="minor">
+              <a:schemeClr val="lt1"/>
+            </a:fontRef>
+          </p:style>
+          <p:txBody>
+            <a:bodyPr rot="0" spcFirstLastPara="0" vert="horz" wrap="square" lIns="91440" tIns="45720" rIns="91440" bIns="45720" numCol="1" spcCol="0" rtlCol="0" fromWordArt="0" anchor="ctr" anchorCtr="0" forceAA="0" compatLnSpc="1">
+              <a:prstTxWarp prst="textNoShape">
+                <a:avLst/>
+              </a:prstTxWarp>
+              <a:noAutofit/>
+            </a:bodyPr>
+            <a:lstStyle/>
+            <a:p>
+              <a:endParaRPr lang="en-US"/>
+            </a:p>
+          </p:txBody>
+        </p:sp>
+        <p:sp>
+          <p:nvSpPr>
+            <p:cNvPr id="84" name="Cloud 83"/>
+            <p:cNvSpPr/>
+            <p:nvPr/>
+          </p:nvSpPr>
+          <p:spPr>
+            <a:xfrm>
+              <a:off x="4324350" y="314325"/>
+              <a:ext cx="1190625" cy="561975"/>
+            </a:xfrm>
+            <a:prstGeom prst="cloud">
+              <a:avLst/>
+            </a:prstGeom>
+          </p:spPr>
+          <p:style>
+            <a:lnRef idx="2">
+              <a:schemeClr val="accent1">
+                <a:shade val="50000"/>
+              </a:schemeClr>
+            </a:lnRef>
+            <a:fillRef idx="1">
+              <a:schemeClr val="accent1"/>
+            </a:fillRef>
+            <a:effectRef idx="0">
+              <a:schemeClr val="accent1"/>
+            </a:effectRef>
+            <a:fontRef idx="minor">
+              <a:schemeClr val="lt1"/>
+            </a:fontRef>
+          </p:style>
+          <p:txBody>
+            <a:bodyPr rot="0" spcFirstLastPara="0" vert="horz" wrap="square" lIns="91440" tIns="45720" rIns="91440" bIns="45720" numCol="1" spcCol="0" rtlCol="0" fromWordArt="0" anchor="ctr" anchorCtr="0" forceAA="0" compatLnSpc="1">
+              <a:prstTxWarp prst="textNoShape">
+                <a:avLst/>
+              </a:prstTxWarp>
+              <a:noAutofit/>
+            </a:bodyPr>
+            <a:lstStyle/>
+            <a:p>
+              <a:endParaRPr lang="en-US"/>
+            </a:p>
+          </p:txBody>
+        </p:sp>
+        <p:sp>
+          <p:nvSpPr>
+            <p:cNvPr id="85" name="Cloud 84"/>
+            <p:cNvSpPr/>
+            <p:nvPr/>
+          </p:nvSpPr>
+          <p:spPr>
+            <a:xfrm>
+              <a:off x="1743075" y="38100"/>
+              <a:ext cx="1314450" cy="590550"/>
+            </a:xfrm>
+            <a:prstGeom prst="cloud">
+              <a:avLst/>
+            </a:prstGeom>
+          </p:spPr>
+          <p:style>
+            <a:lnRef idx="2">
+              <a:schemeClr val="accent1">
+                <a:shade val="50000"/>
+              </a:schemeClr>
+            </a:lnRef>
+            <a:fillRef idx="1">
+              <a:schemeClr val="accent1"/>
+            </a:fillRef>
+            <a:effectRef idx="0">
+              <a:schemeClr val="accent1"/>
+            </a:effectRef>
+            <a:fontRef idx="minor">
+              <a:schemeClr val="lt1"/>
+            </a:fontRef>
+          </p:style>
+          <p:txBody>
+            <a:bodyPr rot="0" spcFirstLastPara="0" vert="horz" wrap="square" lIns="91440" tIns="45720" rIns="91440" bIns="45720" numCol="1" spcCol="0" rtlCol="0" fromWordArt="0" anchor="ctr" anchorCtr="0" forceAA="0" compatLnSpc="1">
+              <a:prstTxWarp prst="textNoShape">
+                <a:avLst/>
+              </a:prstTxWarp>
+              <a:noAutofit/>
+            </a:bodyPr>
+            <a:lstStyle/>
+            <a:p>
+              <a:endParaRPr lang="en-US"/>
+            </a:p>
+          </p:txBody>
+        </p:sp>
+        <p:sp>
+          <p:nvSpPr>
+            <p:cNvPr id="86" name="Right Arrow 85"/>
+            <p:cNvSpPr/>
+            <p:nvPr/>
+          </p:nvSpPr>
+          <p:spPr>
+            <a:xfrm>
+              <a:off x="3200400" y="361950"/>
+              <a:ext cx="942975" cy="200025"/>
+            </a:xfrm>
+            <a:prstGeom prst="rightArrow">
+              <a:avLst/>
+            </a:prstGeom>
+            <a:solidFill>
+              <a:schemeClr val="accent2">
+                <a:lumMod val="60000"/>
+                <a:lumOff val="40000"/>
+              </a:schemeClr>
+            </a:solidFill>
+            <a:ln>
+              <a:solidFill>
+                <a:schemeClr val="tx1"/>
+              </a:solidFill>
+            </a:ln>
+          </p:spPr>
+          <p:style>
+            <a:lnRef idx="2">
+              <a:schemeClr val="accent1">
+                <a:shade val="50000"/>
+              </a:schemeClr>
+            </a:lnRef>
+            <a:fillRef idx="1">
+              <a:schemeClr val="accent1"/>
+            </a:fillRef>
+            <a:effectRef idx="0">
+              <a:schemeClr val="accent1"/>
+            </a:effectRef>
+            <a:fontRef idx="minor">
+              <a:schemeClr val="lt1"/>
+            </a:fontRef>
+          </p:style>
+          <p:txBody>
+            <a:bodyPr rot="0" spcFirstLastPara="0" vert="horz" wrap="square" lIns="91440" tIns="45720" rIns="91440" bIns="45720" numCol="1" spcCol="0" rtlCol="0" fromWordArt="0" anchor="ctr" anchorCtr="0" forceAA="0" compatLnSpc="1">
+              <a:prstTxWarp prst="textNoShape">
+                <a:avLst/>
+              </a:prstTxWarp>
+              <a:noAutofit/>
+            </a:bodyPr>
+            <a:lstStyle/>
+            <a:p>
+              <a:endParaRPr lang="en-US"/>
+            </a:p>
+          </p:txBody>
+        </p:sp>
+        <p:sp>
+          <p:nvSpPr>
+            <p:cNvPr id="87" name="Round Diagonal Corner Rectangle 86"/>
+            <p:cNvSpPr/>
+            <p:nvPr/>
+          </p:nvSpPr>
+          <p:spPr>
+            <a:xfrm>
+              <a:off x="2076450" y="1190625"/>
+              <a:ext cx="962025" cy="438150"/>
+            </a:xfrm>
+            <a:prstGeom prst="round2DiagRect">
+              <a:avLst/>
+            </a:prstGeom>
+            <a:solidFill>
+              <a:srgbClr val="00B050"/>
+            </a:solidFill>
+          </p:spPr>
+          <p:style>
+            <a:lnRef idx="2">
+              <a:schemeClr val="accent1">
+                <a:shade val="50000"/>
+              </a:schemeClr>
+            </a:lnRef>
+            <a:fillRef idx="1">
+              <a:schemeClr val="accent1"/>
+            </a:fillRef>
+            <a:effectRef idx="0">
+              <a:schemeClr val="accent1"/>
+            </a:effectRef>
+            <a:fontRef idx="minor">
+              <a:schemeClr val="lt1"/>
+            </a:fontRef>
+          </p:style>
+          <p:txBody>
+            <a:bodyPr rot="0" spcFirstLastPara="0" vert="horz" wrap="square" lIns="91440" tIns="45720" rIns="91440" bIns="45720" numCol="1" spcCol="0" rtlCol="0" fromWordArt="0" anchor="ctr" anchorCtr="0" forceAA="0" compatLnSpc="1">
+              <a:prstTxWarp prst="textNoShape">
+                <a:avLst/>
+              </a:prstTxWarp>
+              <a:noAutofit/>
+            </a:bodyPr>
+            <a:lstStyle/>
+            <a:p>
+              <a:endParaRPr lang="en-US"/>
+            </a:p>
+          </p:txBody>
+        </p:sp>
+        <p:sp>
+          <p:nvSpPr>
+            <p:cNvPr id="88" name="Up Arrow 87"/>
+            <p:cNvSpPr/>
+            <p:nvPr/>
+          </p:nvSpPr>
+          <p:spPr>
+            <a:xfrm>
+              <a:off x="2438400" y="695325"/>
+              <a:ext cx="171450" cy="447675"/>
+            </a:xfrm>
+            <a:prstGeom prst="upArrow">
+              <a:avLst/>
+            </a:prstGeom>
+            <a:solidFill>
+              <a:schemeClr val="accent2">
+                <a:lumMod val="60000"/>
+                <a:lumOff val="40000"/>
+              </a:schemeClr>
+            </a:solidFill>
+            <a:ln>
+              <a:solidFill>
+                <a:schemeClr val="tx1"/>
+              </a:solidFill>
+            </a:ln>
+          </p:spPr>
+          <p:style>
+            <a:lnRef idx="2">
+              <a:schemeClr val="accent1">
+                <a:shade val="50000"/>
+              </a:schemeClr>
+            </a:lnRef>
+            <a:fillRef idx="1">
+              <a:schemeClr val="accent1"/>
+            </a:fillRef>
+            <a:effectRef idx="0">
+              <a:schemeClr val="accent1"/>
+            </a:effectRef>
+            <a:fontRef idx="minor">
+              <a:schemeClr val="lt1"/>
+            </a:fontRef>
+          </p:style>
+          <p:txBody>
+            <a:bodyPr rot="0" spcFirstLastPara="0" vert="horz" wrap="square" lIns="91440" tIns="45720" rIns="91440" bIns="45720" numCol="1" spcCol="0" rtlCol="0" fromWordArt="0" anchor="ctr" anchorCtr="0" forceAA="0" compatLnSpc="1">
+              <a:prstTxWarp prst="textNoShape">
+                <a:avLst/>
+              </a:prstTxWarp>
+              <a:noAutofit/>
+            </a:bodyPr>
+            <a:lstStyle/>
+            <a:p>
+              <a:endParaRPr lang="en-US"/>
+            </a:p>
+          </p:txBody>
+        </p:sp>
+        <p:sp>
+          <p:nvSpPr>
+            <p:cNvPr id="89" name="Text Box 29"/>
+            <p:cNvSpPr txBox="1"/>
+            <p:nvPr/>
+          </p:nvSpPr>
+          <p:spPr>
+            <a:xfrm>
+              <a:off x="4514850" y="466725"/>
+              <a:ext cx="638175" cy="276225"/>
+            </a:xfrm>
+            <a:prstGeom prst="rect">
+              <a:avLst/>
+            </a:prstGeom>
+            <a:solidFill>
+              <a:schemeClr val="lt1"/>
+            </a:solidFill>
+            <a:ln w="6350">
+              <a:solidFill>
+                <a:prstClr val="black"/>
+              </a:solidFill>
+            </a:ln>
+          </p:spPr>
+          <p:txBody>
+            <a:bodyPr rot="0" spcFirstLastPara="0" vert="horz" wrap="square" lIns="91440" tIns="45720" rIns="91440" bIns="45720" numCol="1" spcCol="0" rtlCol="0" fromWordArt="0" anchor="t" anchorCtr="0" forceAA="0" compatLnSpc="1">
+              <a:prstTxWarp prst="textNoShape">
+                <a:avLst/>
+              </a:prstTxWarp>
+              <a:noAutofit/>
+            </a:bodyPr>
+            <a:lstStyle/>
+            <a:p>
+              <a:pPr marL="0" marR="0" algn="ctr">
+                <a:spcBef>
+                  <a:spcPts val="0"/>
+                </a:spcBef>
+                <a:spcAft>
+                  <a:spcPts val="0"/>
+                </a:spcAft>
+              </a:pPr>
+              <a:r>
+                <a:rPr lang="en-US" sz="1050" kern="100">
+                  <a:effectLst/>
+                  <a:latin typeface="Calibri" panose="020F0502020204030204" pitchFamily="34" charset="0"/>
+                  <a:ea typeface="SimSun" panose="02010600030101010101" pitchFamily="2" charset="-122"/>
+                  <a:cs typeface="Times New Roman" panose="02020603050405020304" pitchFamily="18" charset="0"/>
+                </a:rPr>
+                <a:t>Service</a:t>
+              </a:r>
+            </a:p>
+          </p:txBody>
+        </p:sp>
+        <p:sp>
+          <p:nvSpPr>
+            <p:cNvPr id="90" name="Text Box 30"/>
+            <p:cNvSpPr txBox="1"/>
+            <p:nvPr/>
+          </p:nvSpPr>
+          <p:spPr>
+            <a:xfrm>
+              <a:off x="5638800" y="971550"/>
+              <a:ext cx="619125" cy="276225"/>
+            </a:xfrm>
+            <a:prstGeom prst="rect">
+              <a:avLst/>
+            </a:prstGeom>
+            <a:solidFill>
+              <a:schemeClr val="lt1"/>
+            </a:solidFill>
+            <a:ln w="6350">
+              <a:solidFill>
+                <a:prstClr val="black"/>
+              </a:solidFill>
+            </a:ln>
+          </p:spPr>
+          <p:txBody>
+            <a:bodyPr rot="0" spcFirstLastPara="0" vert="horz" wrap="square" lIns="91440" tIns="45720" rIns="91440" bIns="45720" numCol="1" spcCol="0" rtlCol="0" fromWordArt="0" anchor="t" anchorCtr="0" forceAA="0" compatLnSpc="1">
+              <a:prstTxWarp prst="textNoShape">
+                <a:avLst/>
+              </a:prstTxWarp>
+              <a:noAutofit/>
+            </a:bodyPr>
+            <a:lstStyle/>
+            <a:p>
+              <a:pPr marL="0" marR="0" algn="ctr">
+                <a:spcBef>
+                  <a:spcPts val="0"/>
+                </a:spcBef>
+                <a:spcAft>
+                  <a:spcPts val="0"/>
+                </a:spcAft>
+              </a:pPr>
+              <a:r>
+                <a:rPr lang="en-US" sz="1050" kern="100">
+                  <a:effectLst/>
+                  <a:latin typeface="Calibri" panose="020F0502020204030204" pitchFamily="34" charset="0"/>
+                  <a:ea typeface="SimSun" panose="02010600030101010101" pitchFamily="2" charset="-122"/>
+                  <a:cs typeface="Times New Roman" panose="02020603050405020304" pitchFamily="18" charset="0"/>
+                </a:rPr>
+                <a:t>SQL DB</a:t>
+              </a:r>
+            </a:p>
+          </p:txBody>
+        </p:sp>
+        <p:sp>
+          <p:nvSpPr>
+            <p:cNvPr id="91" name="Text Box 193"/>
+            <p:cNvSpPr txBox="1"/>
+            <p:nvPr/>
+          </p:nvSpPr>
+          <p:spPr>
+            <a:xfrm>
+              <a:off x="3238500" y="0"/>
+              <a:ext cx="914400" cy="295275"/>
+            </a:xfrm>
+            <a:prstGeom prst="rect">
+              <a:avLst/>
+            </a:prstGeom>
+            <a:solidFill>
+              <a:schemeClr val="lt1"/>
+            </a:solidFill>
+            <a:ln w="6350">
+              <a:solidFill>
+                <a:prstClr val="black"/>
+              </a:solidFill>
+            </a:ln>
+          </p:spPr>
+          <p:txBody>
+            <a:bodyPr rot="0" spcFirstLastPara="0" vert="horz" wrap="square" lIns="91440" tIns="45720" rIns="91440" bIns="45720" numCol="1" spcCol="0" rtlCol="0" fromWordArt="0" anchor="t" anchorCtr="0" forceAA="0" compatLnSpc="1">
+              <a:prstTxWarp prst="textNoShape">
+                <a:avLst/>
+              </a:prstTxWarp>
+              <a:noAutofit/>
+            </a:bodyPr>
+            <a:lstStyle/>
+            <a:p>
+              <a:pPr marL="0" marR="0" algn="ctr">
+                <a:spcBef>
+                  <a:spcPts val="0"/>
+                </a:spcBef>
+                <a:spcAft>
+                  <a:spcPts val="0"/>
+                </a:spcAft>
+              </a:pPr>
+              <a:r>
+                <a:rPr lang="en-US" sz="1050" kern="100">
+                  <a:effectLst/>
+                  <a:latin typeface="Calibri" panose="020F0502020204030204" pitchFamily="34" charset="0"/>
+                  <a:ea typeface="SimSun" panose="02010600030101010101" pitchFamily="2" charset="-122"/>
+                  <a:cs typeface="Times New Roman" panose="02020603050405020304" pitchFamily="18" charset="0"/>
+                </a:rPr>
+                <a:t>Weave API</a:t>
+              </a:r>
+            </a:p>
+          </p:txBody>
+        </p:sp>
+        <p:grpSp>
+          <p:nvGrpSpPr>
+            <p:cNvPr id="92" name="Group 91"/>
+            <p:cNvGrpSpPr/>
+            <p:nvPr/>
+          </p:nvGrpSpPr>
+          <p:grpSpPr>
+            <a:xfrm>
+              <a:off x="0" y="933450"/>
+              <a:ext cx="6429375" cy="4400550"/>
+              <a:chOff x="0" y="0"/>
+              <a:chExt cx="6429375" cy="4400550"/>
+            </a:xfrm>
+          </p:grpSpPr>
+          <p:sp>
+            <p:nvSpPr>
+              <p:cNvPr id="93" name="Cloud 92"/>
+              <p:cNvSpPr/>
+              <p:nvPr/>
+            </p:nvSpPr>
+            <p:spPr>
+              <a:xfrm>
+                <a:off x="1905000" y="942975"/>
+                <a:ext cx="1381125" cy="619125"/>
+              </a:xfrm>
+              <a:prstGeom prst="cloud">
+                <a:avLst/>
+              </a:prstGeom>
+            </p:spPr>
+            <p:style>
+              <a:lnRef idx="2">
+                <a:schemeClr val="accent1">
+                  <a:shade val="50000"/>
+                </a:schemeClr>
+              </a:lnRef>
+              <a:fillRef idx="1">
+                <a:schemeClr val="accent1"/>
+              </a:fillRef>
+              <a:effectRef idx="0">
+                <a:schemeClr val="accent1"/>
+              </a:effectRef>
+              <a:fontRef idx="minor">
+                <a:schemeClr val="lt1"/>
+              </a:fontRef>
+            </p:style>
+            <p:txBody>
+              <a:bodyPr rot="0" spcFirstLastPara="0" vert="horz" wrap="square" lIns="91440" tIns="45720" rIns="91440" bIns="45720" numCol="1" spcCol="0" rtlCol="0" fromWordArt="0" anchor="ctr" anchorCtr="0" forceAA="0" compatLnSpc="1">
+                <a:prstTxWarp prst="textNoShape">
+                  <a:avLst/>
+                </a:prstTxWarp>
+                <a:noAutofit/>
+              </a:bodyPr>
+              <a:lstStyle/>
+              <a:p>
+                <a:endParaRPr lang="en-US"/>
+              </a:p>
+            </p:txBody>
+          </p:sp>
+          <p:sp>
+            <p:nvSpPr>
+              <p:cNvPr id="94" name="Bevel 93"/>
+              <p:cNvSpPr/>
+              <p:nvPr/>
+            </p:nvSpPr>
+            <p:spPr>
+              <a:xfrm>
+                <a:off x="4305300" y="2809875"/>
+                <a:ext cx="1019175" cy="1590675"/>
+              </a:xfrm>
+              <a:prstGeom prst="bevel">
+                <a:avLst/>
+              </a:prstGeom>
+              <a:solidFill>
+                <a:srgbClr val="7030A0"/>
+              </a:solidFill>
+              <a:ln>
+                <a:solidFill>
+                  <a:schemeClr val="bg1"/>
+                </a:solidFill>
+              </a:ln>
+            </p:spPr>
+            <p:style>
+              <a:lnRef idx="2">
+                <a:schemeClr val="accent1">
+                  <a:shade val="50000"/>
+                </a:schemeClr>
+              </a:lnRef>
+              <a:fillRef idx="1">
+                <a:schemeClr val="accent1"/>
+              </a:fillRef>
+              <a:effectRef idx="0">
+                <a:schemeClr val="accent1"/>
+              </a:effectRef>
+              <a:fontRef idx="minor">
+                <a:schemeClr val="lt1"/>
+              </a:fontRef>
+            </p:style>
+            <p:txBody>
+              <a:bodyPr rot="0" spcFirstLastPara="0" vert="horz" wrap="square" lIns="91440" tIns="45720" rIns="91440" bIns="45720" numCol="1" spcCol="0" rtlCol="0" fromWordArt="0" anchor="ctr" anchorCtr="0" forceAA="0" compatLnSpc="1">
+                <a:prstTxWarp prst="textNoShape">
+                  <a:avLst/>
+                </a:prstTxWarp>
+                <a:noAutofit/>
+              </a:bodyPr>
+              <a:lstStyle/>
+              <a:p>
+                <a:endParaRPr lang="en-US"/>
+              </a:p>
+            </p:txBody>
+          </p:sp>
+          <p:sp>
+            <p:nvSpPr>
+              <p:cNvPr id="95" name="Up-Down Arrow 94"/>
+              <p:cNvSpPr/>
+              <p:nvPr/>
+            </p:nvSpPr>
+            <p:spPr>
+              <a:xfrm>
+                <a:off x="4724400" y="0"/>
+                <a:ext cx="209550" cy="2724150"/>
+              </a:xfrm>
+              <a:prstGeom prst="upDownArrow">
+                <a:avLst/>
+              </a:prstGeom>
+              <a:solidFill>
+                <a:schemeClr val="accent2">
+                  <a:lumMod val="60000"/>
+                  <a:lumOff val="40000"/>
+                </a:schemeClr>
+              </a:solidFill>
+              <a:ln>
+                <a:solidFill>
+                  <a:schemeClr val="tx1"/>
+                </a:solidFill>
+              </a:ln>
+            </p:spPr>
+            <p:style>
+              <a:lnRef idx="2">
+                <a:schemeClr val="accent1">
+                  <a:shade val="50000"/>
+                </a:schemeClr>
+              </a:lnRef>
+              <a:fillRef idx="1">
+                <a:schemeClr val="accent1"/>
+              </a:fillRef>
+              <a:effectRef idx="0">
+                <a:schemeClr val="accent1"/>
+              </a:effectRef>
+              <a:fontRef idx="minor">
+                <a:schemeClr val="lt1"/>
+              </a:fontRef>
+            </p:style>
+            <p:txBody>
+              <a:bodyPr rot="0" spcFirstLastPara="0" vert="horz" wrap="square" lIns="91440" tIns="45720" rIns="91440" bIns="45720" numCol="1" spcCol="0" rtlCol="0" fromWordArt="0" anchor="ctr" anchorCtr="0" forceAA="0" compatLnSpc="1">
+                <a:prstTxWarp prst="textNoShape">
+                  <a:avLst/>
+                </a:prstTxWarp>
+                <a:noAutofit/>
+              </a:bodyPr>
+              <a:lstStyle/>
+              <a:p>
+                <a:endParaRPr lang="en-US"/>
+              </a:p>
+            </p:txBody>
+          </p:sp>
+          <p:sp>
+            <p:nvSpPr>
+              <p:cNvPr id="96" name="Text Box 25"/>
+              <p:cNvSpPr txBox="1"/>
+              <p:nvPr/>
+            </p:nvSpPr>
+            <p:spPr>
+              <a:xfrm>
+                <a:off x="2152650" y="1143000"/>
+                <a:ext cx="971550" cy="247650"/>
+              </a:xfrm>
+              <a:prstGeom prst="rect">
+                <a:avLst/>
+              </a:prstGeom>
+              <a:solidFill>
+                <a:schemeClr val="lt1"/>
+              </a:solidFill>
+              <a:ln w="6350">
+                <a:solidFill>
+                  <a:prstClr val="black"/>
+                </a:solidFill>
+              </a:ln>
+            </p:spPr>
+            <p:txBody>
+              <a:bodyPr rot="0" spcFirstLastPara="0" vert="horz" wrap="square" lIns="91440" tIns="45720" rIns="91440" bIns="45720" numCol="1" spcCol="0" rtlCol="0" fromWordArt="0" anchor="t" anchorCtr="0" forceAA="0" compatLnSpc="1">
+                <a:prstTxWarp prst="textNoShape">
+                  <a:avLst/>
+                </a:prstTxWarp>
+                <a:noAutofit/>
+              </a:bodyPr>
+              <a:lstStyle/>
+              <a:p>
+                <a:pPr marL="0" marR="0" algn="just">
+                  <a:spcBef>
+                    <a:spcPts val="0"/>
+                  </a:spcBef>
+                  <a:spcAft>
+                    <a:spcPts val="0"/>
+                  </a:spcAft>
+                </a:pPr>
+                <a:r>
+                  <a:rPr lang="en-US" sz="1050" kern="100">
+                    <a:effectLst/>
+                    <a:latin typeface="Calibri" panose="020F0502020204030204" pitchFamily="34" charset="0"/>
+                    <a:ea typeface="SimSun" panose="02010600030101010101" pitchFamily="2" charset="-122"/>
+                    <a:cs typeface="Times New Roman" panose="02020603050405020304" pitchFamily="18" charset="0"/>
+                  </a:rPr>
+                  <a:t>Beacon Cloud</a:t>
+                </a:r>
+              </a:p>
+            </p:txBody>
+          </p:sp>
+          <p:sp>
+            <p:nvSpPr>
+              <p:cNvPr id="97" name="Text Box 28"/>
+              <p:cNvSpPr txBox="1"/>
+              <p:nvPr/>
+            </p:nvSpPr>
+            <p:spPr>
+              <a:xfrm>
+                <a:off x="5429250" y="3419475"/>
+                <a:ext cx="1000125" cy="342900"/>
+              </a:xfrm>
+              <a:prstGeom prst="rect">
+                <a:avLst/>
+              </a:prstGeom>
+              <a:solidFill>
+                <a:schemeClr val="lt1"/>
+              </a:solidFill>
+              <a:ln w="6350">
+                <a:solidFill>
+                  <a:prstClr val="black"/>
+                </a:solidFill>
+              </a:ln>
+            </p:spPr>
+            <p:txBody>
+              <a:bodyPr rot="0" spcFirstLastPara="0" vert="horz" wrap="square" lIns="91440" tIns="45720" rIns="91440" bIns="45720" numCol="1" spcCol="0" rtlCol="0" fromWordArt="0" anchor="t" anchorCtr="0" forceAA="0" compatLnSpc="1">
+                <a:prstTxWarp prst="textNoShape">
+                  <a:avLst/>
+                </a:prstTxWarp>
+                <a:noAutofit/>
+              </a:bodyPr>
+              <a:lstStyle/>
+              <a:p>
+                <a:pPr marL="0" marR="0" algn="ctr">
+                  <a:spcBef>
+                    <a:spcPts val="0"/>
+                  </a:spcBef>
+                  <a:spcAft>
+                    <a:spcPts val="0"/>
+                  </a:spcAft>
+                </a:pPr>
+                <a:r>
+                  <a:rPr lang="en-US" sz="1050" kern="100">
+                    <a:effectLst/>
+                    <a:latin typeface="Calibri" panose="020F0502020204030204" pitchFamily="34" charset="0"/>
+                    <a:ea typeface="SimSun" panose="02010600030101010101" pitchFamily="2" charset="-122"/>
+                    <a:cs typeface="Times New Roman" panose="02020603050405020304" pitchFamily="18" charset="0"/>
+                  </a:rPr>
+                  <a:t>Mobile device</a:t>
+                </a:r>
+              </a:p>
+            </p:txBody>
+          </p:sp>
+          <p:grpSp>
+            <p:nvGrpSpPr>
+              <p:cNvPr id="98" name="Group 97"/>
+              <p:cNvGrpSpPr/>
+              <p:nvPr/>
+            </p:nvGrpSpPr>
+            <p:grpSpPr>
+              <a:xfrm>
+                <a:off x="0" y="714375"/>
+                <a:ext cx="4248150" cy="3186112"/>
+                <a:chOff x="0" y="0"/>
+                <a:chExt cx="4248150" cy="3186112"/>
+              </a:xfrm>
+            </p:grpSpPr>
+            <p:sp>
+              <p:nvSpPr>
+                <p:cNvPr id="100" name="Right Arrow 99"/>
+                <p:cNvSpPr/>
+                <p:nvPr/>
+              </p:nvSpPr>
+              <p:spPr>
+                <a:xfrm>
+                  <a:off x="781050" y="457200"/>
+                  <a:ext cx="1038225" cy="247650"/>
+                </a:xfrm>
+                <a:prstGeom prst="rightArrow">
+                  <a:avLst/>
+                </a:prstGeom>
+                <a:solidFill>
+                  <a:schemeClr val="accent2">
+                    <a:lumMod val="60000"/>
+                    <a:lumOff val="40000"/>
+                  </a:schemeClr>
+                </a:solidFill>
+                <a:ln>
+                  <a:solidFill>
+                    <a:schemeClr val="tx1"/>
+                  </a:solidFill>
+                </a:ln>
+              </p:spPr>
+              <p:style>
+                <a:lnRef idx="2">
+                  <a:schemeClr val="accent1">
+                    <a:shade val="50000"/>
+                  </a:schemeClr>
+                </a:lnRef>
+                <a:fillRef idx="1">
+                  <a:schemeClr val="accent1"/>
+                </a:fillRef>
+                <a:effectRef idx="0">
+                  <a:schemeClr val="accent1"/>
+                </a:effectRef>
+                <a:fontRef idx="minor">
+                  <a:schemeClr val="lt1"/>
+                </a:fontRef>
+              </p:style>
+              <p:txBody>
+                <a:bodyPr rot="0" spcFirstLastPara="0" vert="horz" wrap="square" lIns="91440" tIns="45720" rIns="91440" bIns="45720" numCol="1" spcCol="0" rtlCol="0" fromWordArt="0" anchor="ctr" anchorCtr="0" forceAA="0" compatLnSpc="1">
+                  <a:prstTxWarp prst="textNoShape">
+                    <a:avLst/>
+                  </a:prstTxWarp>
+                  <a:noAutofit/>
+                </a:bodyPr>
+                <a:lstStyle/>
+                <a:p>
+                  <a:endParaRPr lang="en-US"/>
+                </a:p>
+              </p:txBody>
+            </p:sp>
+            <p:cxnSp>
+              <p:nvCxnSpPr>
+                <p:cNvPr id="101" name="Straight Arrow Connector 100"/>
+                <p:cNvCxnSpPr/>
+                <p:nvPr/>
+              </p:nvCxnSpPr>
+              <p:spPr>
+                <a:xfrm>
+                  <a:off x="1238250" y="3086100"/>
+                  <a:ext cx="3009900" cy="0"/>
+                </a:xfrm>
+                <a:prstGeom prst="straightConnector1">
+                  <a:avLst/>
+                </a:prstGeom>
+                <a:ln>
+                  <a:solidFill>
+                    <a:schemeClr val="tx1"/>
+                  </a:solidFill>
+                  <a:tailEnd type="triangle"/>
+                </a:ln>
+              </p:spPr>
+              <p:style>
+                <a:lnRef idx="1">
+                  <a:schemeClr val="accent1"/>
+                </a:lnRef>
+                <a:fillRef idx="0">
+                  <a:schemeClr val="accent1"/>
+                </a:fillRef>
+                <a:effectRef idx="0">
+                  <a:schemeClr val="accent1"/>
+                </a:effectRef>
+                <a:fontRef idx="minor">
+                  <a:schemeClr val="tx1"/>
+                </a:fontRef>
+              </p:style>
+            </p:cxnSp>
+            <p:cxnSp>
+              <p:nvCxnSpPr>
+                <p:cNvPr id="102" name="Elbow Connector 101"/>
+                <p:cNvCxnSpPr/>
+                <p:nvPr/>
+              </p:nvCxnSpPr>
+              <p:spPr>
+                <a:xfrm>
+                  <a:off x="2543175" y="914400"/>
+                  <a:ext cx="1657350" cy="1838325"/>
+                </a:xfrm>
+                <a:prstGeom prst="bentConnector3">
+                  <a:avLst/>
+                </a:prstGeom>
+                <a:ln>
+                  <a:solidFill>
+                    <a:schemeClr val="tx1"/>
+                  </a:solidFill>
+                  <a:headEnd type="triangle"/>
+                  <a:tailEnd type="triangle"/>
+                </a:ln>
+              </p:spPr>
+              <p:style>
+                <a:lnRef idx="1">
+                  <a:schemeClr val="accent1"/>
+                </a:lnRef>
+                <a:fillRef idx="0">
+                  <a:schemeClr val="accent1"/>
+                </a:fillRef>
+                <a:effectRef idx="0">
+                  <a:schemeClr val="accent1"/>
+                </a:effectRef>
+                <a:fontRef idx="minor">
+                  <a:schemeClr val="tx1"/>
+                </a:fontRef>
+              </p:style>
+            </p:cxnSp>
+            <p:grpSp>
+              <p:nvGrpSpPr>
+                <p:cNvPr id="103" name="Group 102"/>
+                <p:cNvGrpSpPr/>
+                <p:nvPr/>
+              </p:nvGrpSpPr>
+              <p:grpSpPr>
+                <a:xfrm>
+                  <a:off x="0" y="200025"/>
+                  <a:ext cx="1162050" cy="2986087"/>
+                  <a:chOff x="0" y="0"/>
+                  <a:chExt cx="1162050" cy="2986087"/>
+                </a:xfrm>
+              </p:grpSpPr>
+              <p:sp>
+                <p:nvSpPr>
+                  <p:cNvPr id="106" name="Folded Corner 105"/>
+                  <p:cNvSpPr/>
+                  <p:nvPr/>
+                </p:nvSpPr>
+                <p:spPr>
+                  <a:xfrm>
+                    <a:off x="0" y="0"/>
+                    <a:ext cx="685800" cy="923925"/>
+                  </a:xfrm>
+                  <a:prstGeom prst="foldedCorner">
+                    <a:avLst/>
+                  </a:prstGeom>
+                  <a:solidFill>
+                    <a:srgbClr val="FFC000"/>
+                  </a:solidFill>
+                </p:spPr>
+                <p:style>
+                  <a:lnRef idx="2">
+                    <a:schemeClr val="accent1">
+                      <a:shade val="50000"/>
+                    </a:schemeClr>
+                  </a:lnRef>
+                  <a:fillRef idx="1">
+                    <a:schemeClr val="accent1"/>
+                  </a:fillRef>
+                  <a:effectRef idx="0">
+                    <a:schemeClr val="accent1"/>
+                  </a:effectRef>
+                  <a:fontRef idx="minor">
+                    <a:schemeClr val="lt1"/>
+                  </a:fontRef>
+                </p:style>
+                <p:txBody>
+                  <a:bodyPr rot="0" spcFirstLastPara="0" vert="horz" wrap="square" lIns="91440" tIns="45720" rIns="91440" bIns="45720" numCol="1" spcCol="0" rtlCol="0" fromWordArt="0" anchor="ctr" anchorCtr="0" forceAA="0" compatLnSpc="1">
+                    <a:prstTxWarp prst="textNoShape">
+                      <a:avLst/>
+                    </a:prstTxWarp>
+                    <a:noAutofit/>
+                  </a:bodyPr>
+                  <a:lstStyle/>
+                  <a:p>
+                    <a:endParaRPr lang="en-US"/>
+                  </a:p>
+                </p:txBody>
+              </p:sp>
+              <p:sp>
+                <p:nvSpPr>
+                  <p:cNvPr id="107" name="Flowchart: Display 106"/>
+                  <p:cNvSpPr/>
+                  <p:nvPr/>
+                </p:nvSpPr>
+                <p:spPr>
+                  <a:xfrm rot="16200000">
+                    <a:off x="638175" y="2590800"/>
+                    <a:ext cx="447675" cy="342900"/>
+                  </a:xfrm>
+                  <a:prstGeom prst="flowChartDisplay">
+                    <a:avLst/>
+                  </a:prstGeom>
+                  <a:solidFill>
+                    <a:srgbClr val="00B050"/>
+                  </a:solidFill>
+                </p:spPr>
+                <p:style>
+                  <a:lnRef idx="2">
+                    <a:schemeClr val="accent1">
+                      <a:shade val="50000"/>
+                    </a:schemeClr>
+                  </a:lnRef>
+                  <a:fillRef idx="1">
+                    <a:schemeClr val="accent1"/>
+                  </a:fillRef>
+                  <a:effectRef idx="0">
+                    <a:schemeClr val="accent1"/>
+                  </a:effectRef>
+                  <a:fontRef idx="minor">
+                    <a:schemeClr val="lt1"/>
+                  </a:fontRef>
+                </p:style>
+                <p:txBody>
+                  <a:bodyPr rot="0" spcFirstLastPara="0" vert="horz" wrap="square" lIns="91440" tIns="45720" rIns="91440" bIns="45720" numCol="1" spcCol="0" rtlCol="0" fromWordArt="0" anchor="ctr" anchorCtr="0" forceAA="0" compatLnSpc="1">
+                    <a:prstTxWarp prst="textNoShape">
+                      <a:avLst/>
+                    </a:prstTxWarp>
+                    <a:noAutofit/>
+                  </a:bodyPr>
+                  <a:lstStyle/>
+                  <a:p>
+                    <a:endParaRPr lang="en-US"/>
+                  </a:p>
+                </p:txBody>
+              </p:sp>
+              <p:sp>
+                <p:nvSpPr>
+                  <p:cNvPr id="108" name="Text Box 23"/>
+                  <p:cNvSpPr txBox="1"/>
+                  <p:nvPr/>
+                </p:nvSpPr>
+                <p:spPr>
+                  <a:xfrm>
+                    <a:off x="0" y="257175"/>
+                    <a:ext cx="657225" cy="266700"/>
+                  </a:xfrm>
+                  <a:prstGeom prst="rect">
+                    <a:avLst/>
+                  </a:prstGeom>
+                  <a:solidFill>
+                    <a:schemeClr val="lt1"/>
+                  </a:solidFill>
+                  <a:ln w="6350">
+                    <a:solidFill>
+                      <a:prstClr val="black"/>
+                    </a:solidFill>
+                  </a:ln>
+                </p:spPr>
+                <p:txBody>
+                  <a:bodyPr rot="0" spcFirstLastPara="0" vert="horz" wrap="square" lIns="91440" tIns="45720" rIns="91440" bIns="45720" numCol="1" spcCol="0" rtlCol="0" fromWordArt="0" anchor="t" anchorCtr="0" forceAA="0" compatLnSpc="1">
+                    <a:prstTxWarp prst="textNoShape">
+                      <a:avLst/>
+                    </a:prstTxWarp>
+                    <a:noAutofit/>
+                  </a:bodyPr>
+                  <a:lstStyle/>
+                  <a:p>
+                    <a:pPr marL="0" marR="0" algn="ctr">
+                      <a:spcBef>
+                        <a:spcPts val="0"/>
+                      </a:spcBef>
+                      <a:spcAft>
+                        <a:spcPts val="0"/>
+                      </a:spcAft>
+                    </a:pPr>
+                    <a:r>
+                      <a:rPr lang="en-US" sz="1050" kern="100">
+                        <a:effectLst/>
+                        <a:latin typeface="Calibri" panose="020F0502020204030204" pitchFamily="34" charset="0"/>
+                        <a:ea typeface="SimSun" panose="02010600030101010101" pitchFamily="2" charset="-122"/>
+                        <a:cs typeface="Times New Roman" panose="02020603050405020304" pitchFamily="18" charset="0"/>
+                      </a:rPr>
+                      <a:t>API Tool</a:t>
+                    </a:r>
+                  </a:p>
+                </p:txBody>
+              </p:sp>
+              <p:sp>
+                <p:nvSpPr>
+                  <p:cNvPr id="109" name="Text Box 24"/>
+                  <p:cNvSpPr txBox="1"/>
+                  <p:nvPr/>
+                </p:nvSpPr>
+                <p:spPr>
+                  <a:xfrm>
+                    <a:off x="476250" y="2162175"/>
+                    <a:ext cx="685800" cy="285750"/>
+                  </a:xfrm>
+                  <a:prstGeom prst="rect">
+                    <a:avLst/>
+                  </a:prstGeom>
+                  <a:solidFill>
+                    <a:schemeClr val="lt1"/>
+                  </a:solidFill>
+                  <a:ln w="6350">
+                    <a:solidFill>
+                      <a:prstClr val="black"/>
+                    </a:solidFill>
+                  </a:ln>
+                </p:spPr>
+                <p:txBody>
+                  <a:bodyPr rot="0" spcFirstLastPara="0" vert="horz" wrap="square" lIns="91440" tIns="45720" rIns="91440" bIns="45720" numCol="1" spcCol="0" rtlCol="0" fromWordArt="0" anchor="t" anchorCtr="0" forceAA="0" compatLnSpc="1">
+                    <a:prstTxWarp prst="textNoShape">
+                      <a:avLst/>
+                    </a:prstTxWarp>
+                    <a:noAutofit/>
+                  </a:bodyPr>
+                  <a:lstStyle/>
+                  <a:p>
+                    <a:pPr marL="0" marR="0" algn="ctr">
+                      <a:spcBef>
+                        <a:spcPts val="0"/>
+                      </a:spcBef>
+                      <a:spcAft>
+                        <a:spcPts val="0"/>
+                      </a:spcAft>
+                    </a:pPr>
+                    <a:r>
+                      <a:rPr lang="en-US" sz="1050" kern="100">
+                        <a:effectLst/>
+                        <a:latin typeface="Calibri" panose="020F0502020204030204" pitchFamily="34" charset="0"/>
+                        <a:ea typeface="SimSun" panose="02010600030101010101" pitchFamily="2" charset="-122"/>
+                        <a:cs typeface="Times New Roman" panose="02020603050405020304" pitchFamily="18" charset="0"/>
+                      </a:rPr>
+                      <a:t>Beacon</a:t>
+                    </a:r>
+                  </a:p>
+                </p:txBody>
+              </p:sp>
+            </p:grpSp>
+            <p:sp>
+              <p:nvSpPr>
+                <p:cNvPr id="104" name="Text Box 192"/>
+                <p:cNvSpPr txBox="1"/>
+                <p:nvPr/>
+              </p:nvSpPr>
+              <p:spPr>
+                <a:xfrm>
+                  <a:off x="2486025" y="1628775"/>
+                  <a:ext cx="781050" cy="342900"/>
+                </a:xfrm>
+                <a:prstGeom prst="rect">
+                  <a:avLst/>
+                </a:prstGeom>
+                <a:solidFill>
+                  <a:schemeClr val="lt1"/>
+                </a:solidFill>
+                <a:ln w="6350">
+                  <a:solidFill>
+                    <a:prstClr val="black"/>
+                  </a:solidFill>
+                </a:ln>
+              </p:spPr>
+              <p:txBody>
+                <a:bodyPr rot="0" spcFirstLastPara="0" vert="horz" wrap="square" lIns="91440" tIns="45720" rIns="91440" bIns="45720" numCol="1" spcCol="0" rtlCol="0" fromWordArt="0" anchor="t" anchorCtr="0" forceAA="0" compatLnSpc="1">
+                  <a:prstTxWarp prst="textNoShape">
+                    <a:avLst/>
+                  </a:prstTxWarp>
+                  <a:noAutofit/>
+                </a:bodyPr>
+                <a:lstStyle/>
+                <a:p>
+                  <a:pPr marL="0" marR="0" algn="ctr">
+                    <a:spcBef>
+                      <a:spcPts val="0"/>
+                    </a:spcBef>
+                    <a:spcAft>
+                      <a:spcPts val="0"/>
+                    </a:spcAft>
+                  </a:pPr>
+                  <a:r>
+                    <a:rPr lang="en-US" sz="1050" kern="100">
+                      <a:effectLst/>
+                      <a:latin typeface="Calibri" panose="020F0502020204030204" pitchFamily="34" charset="0"/>
+                      <a:ea typeface="SimSun" panose="02010600030101010101" pitchFamily="2" charset="-122"/>
+                      <a:cs typeface="Times New Roman" panose="02020603050405020304" pitchFamily="18" charset="0"/>
+                    </a:rPr>
+                    <a:t>Nearby</a:t>
+                  </a:r>
+                </a:p>
+              </p:txBody>
+            </p:sp>
+            <p:sp>
+              <p:nvSpPr>
+                <p:cNvPr id="105" name="Text Box 31"/>
+                <p:cNvSpPr txBox="1"/>
+                <p:nvPr/>
+              </p:nvSpPr>
+              <p:spPr>
+                <a:xfrm>
+                  <a:off x="809625" y="0"/>
+                  <a:ext cx="914400" cy="295275"/>
+                </a:xfrm>
+                <a:prstGeom prst="rect">
+                  <a:avLst/>
+                </a:prstGeom>
+                <a:solidFill>
+                  <a:schemeClr val="lt1"/>
+                </a:solidFill>
+                <a:ln w="6350">
+                  <a:solidFill>
+                    <a:prstClr val="black"/>
+                  </a:solidFill>
+                </a:ln>
+              </p:spPr>
+              <p:txBody>
+                <a:bodyPr rot="0" spcFirstLastPara="0" vert="horz" wrap="square" lIns="91440" tIns="45720" rIns="91440" bIns="45720" numCol="1" spcCol="0" rtlCol="0" fromWordArt="0" anchor="t" anchorCtr="0" forceAA="0" compatLnSpc="1">
+                  <a:prstTxWarp prst="textNoShape">
+                    <a:avLst/>
+                  </a:prstTxWarp>
+                  <a:noAutofit/>
+                </a:bodyPr>
+                <a:lstStyle/>
+                <a:p>
+                  <a:pPr marL="0" marR="0" algn="ctr">
+                    <a:spcBef>
+                      <a:spcPts val="0"/>
+                    </a:spcBef>
+                    <a:spcAft>
+                      <a:spcPts val="0"/>
+                    </a:spcAft>
+                  </a:pPr>
+                  <a:r>
+                    <a:rPr lang="en-US" sz="1050" kern="100">
+                      <a:effectLst/>
+                      <a:latin typeface="Calibri" panose="020F0502020204030204" pitchFamily="34" charset="0"/>
+                      <a:ea typeface="SimSun" panose="02010600030101010101" pitchFamily="2" charset="-122"/>
+                      <a:cs typeface="Times New Roman" panose="02020603050405020304" pitchFamily="18" charset="0"/>
+                    </a:rPr>
+                    <a:t>Proximity</a:t>
+                  </a:r>
+                </a:p>
+              </p:txBody>
+            </p:sp>
+          </p:grpSp>
+          <p:sp>
+            <p:nvSpPr>
+              <p:cNvPr id="99" name="Text Box 194"/>
+              <p:cNvSpPr txBox="1"/>
+              <p:nvPr/>
+            </p:nvSpPr>
+            <p:spPr>
+              <a:xfrm>
+                <a:off x="4991100" y="1133475"/>
+                <a:ext cx="914400" cy="295275"/>
+              </a:xfrm>
+              <a:prstGeom prst="rect">
+                <a:avLst/>
+              </a:prstGeom>
+              <a:solidFill>
+                <a:schemeClr val="lt1"/>
+              </a:solidFill>
+              <a:ln w="6350">
+                <a:solidFill>
+                  <a:prstClr val="black"/>
+                </a:solidFill>
+              </a:ln>
+            </p:spPr>
+            <p:txBody>
+              <a:bodyPr rot="0" spcFirstLastPara="0" vert="horz" wrap="square" lIns="91440" tIns="45720" rIns="91440" bIns="45720" numCol="1" spcCol="0" rtlCol="0" fromWordArt="0" anchor="t" anchorCtr="0" forceAA="0" compatLnSpc="1">
+                <a:prstTxWarp prst="textNoShape">
+                  <a:avLst/>
+                </a:prstTxWarp>
+                <a:noAutofit/>
+              </a:bodyPr>
+              <a:lstStyle/>
+              <a:p>
+                <a:pPr marL="0" marR="0" algn="ctr">
+                  <a:spcBef>
+                    <a:spcPts val="0"/>
+                  </a:spcBef>
+                  <a:spcAft>
+                    <a:spcPts val="0"/>
+                  </a:spcAft>
+                </a:pPr>
+                <a:r>
+                  <a:rPr lang="en-US" sz="1050" kern="100">
+                    <a:effectLst/>
+                    <a:latin typeface="Calibri" panose="020F0502020204030204" pitchFamily="34" charset="0"/>
+                    <a:ea typeface="SimSun" panose="02010600030101010101" pitchFamily="2" charset="-122"/>
+                    <a:cs typeface="Times New Roman" panose="02020603050405020304" pitchFamily="18" charset="0"/>
+                  </a:rPr>
+                  <a:t>Web Service</a:t>
+                </a:r>
+              </a:p>
+            </p:txBody>
+          </p:sp>
+        </p:grpSp>
+      </p:grpSp>
+      <p:sp>
+        <p:nvSpPr>
+          <p:cNvPr id="111" name="TextBox 110"/>
+          <p:cNvSpPr txBox="1"/>
+          <p:nvPr/>
+        </p:nvSpPr>
+        <p:spPr>
+          <a:xfrm>
+            <a:off x="2905124" y="2371725"/>
+            <a:ext cx="723900" cy="261610"/>
+          </a:xfrm>
+          <a:prstGeom prst="rect">
+            <a:avLst/>
+          </a:prstGeom>
+          <a:noFill/>
+        </p:spPr>
+        <p:txBody>
+          <a:bodyPr wrap="square" rtlCol="0">
+            <a:spAutoFit/>
+          </a:bodyPr>
+          <a:lstStyle/>
+          <a:p>
+            <a:pPr algn="ctr"/>
+            <a:r>
+              <a:rPr lang="en-US" sz="1100" dirty="0" err="1" smtClean="0"/>
+              <a:t>Brillo</a:t>
+            </a:r>
+            <a:endParaRPr lang="en-US" sz="1100" dirty="0"/>
+          </a:p>
+        </p:txBody>
+      </p:sp>
+      <p:sp>
+        <p:nvSpPr>
+          <p:cNvPr id="113" name="TextBox 112"/>
+          <p:cNvSpPr txBox="1"/>
+          <p:nvPr/>
+        </p:nvSpPr>
+        <p:spPr>
+          <a:xfrm>
+            <a:off x="2657474" y="1271587"/>
+            <a:ext cx="971550" cy="261610"/>
+          </a:xfrm>
+          <a:prstGeom prst="rect">
+            <a:avLst/>
+          </a:prstGeom>
+          <a:noFill/>
+        </p:spPr>
+        <p:txBody>
+          <a:bodyPr wrap="square" rtlCol="0">
+            <a:spAutoFit/>
+          </a:bodyPr>
+          <a:lstStyle/>
+          <a:p>
+            <a:r>
+              <a:rPr lang="en-US" sz="1100" dirty="0" smtClean="0"/>
+              <a:t>Weave Cloud</a:t>
+            </a:r>
+            <a:endParaRPr lang="en-US" sz="1100" dirty="0"/>
           </a:p>
         </p:txBody>
       </p:sp>

--- a/FinalPresentation.pptx
+++ b/FinalPresentation.pptx
@@ -3863,15 +3863,41 @@
             <p:ph idx="1"/>
           </p:nvPr>
         </p:nvSpPr>
-        <p:spPr/>
-        <p:txBody>
-          <a:bodyPr/>
+        <p:spPr>
+          <a:xfrm>
+            <a:off x="457200" y="1417638"/>
+            <a:ext cx="7620000" cy="4983162"/>
+          </a:xfrm>
+        </p:spPr>
+        <p:txBody>
+          <a:bodyPr>
+            <a:normAutofit/>
+          </a:bodyPr>
           <a:lstStyle/>
           <a:p>
             <a:r>
               <a:rPr lang="en-US" dirty="0" smtClean="0"/>
-              <a:t>Beacons for location and context</a:t>
-            </a:r>
+              <a:t>Beacons for location and </a:t>
+            </a:r>
+            <a:r>
+              <a:rPr lang="en-US" dirty="0" smtClean="0"/>
+              <a:t>context</a:t>
+            </a:r>
+          </a:p>
+          <a:p>
+            <a:pPr lvl="1"/>
+            <a:r>
+              <a:rPr lang="en-US" dirty="0" smtClean="0"/>
+              <a:t>Tell us which room we are in  - Proximity and Nearby API</a:t>
+            </a:r>
+          </a:p>
+          <a:p>
+            <a:pPr lvl="1"/>
+            <a:r>
+              <a:rPr lang="en-US" dirty="0" smtClean="0"/>
+              <a:t>Associate users with a beacon and effectively a room</a:t>
+            </a:r>
+            <a:endParaRPr lang="en-US" dirty="0" smtClean="0"/>
           </a:p>
           <a:p>
             <a:r>
@@ -3880,19 +3906,82 @@
             </a:r>
             <a:r>
               <a:rPr lang="en-US" dirty="0" smtClean="0"/>
-              <a:t>-Weave duo for tracking footfall</a:t>
-            </a:r>
-          </a:p>
-          <a:p>
+              <a:t>-Weave duo for tracking </a:t>
+            </a:r>
             <a:r>
               <a:rPr lang="en-US" dirty="0" smtClean="0"/>
-              <a:t>Cloud service to manage our data</a:t>
-            </a:r>
-          </a:p>
-          <a:p>
+              <a:t>footfall</a:t>
+            </a:r>
+          </a:p>
+          <a:p>
+            <a:pPr lvl="1"/>
             <a:r>
               <a:rPr lang="en-US" dirty="0" smtClean="0"/>
-              <a:t>Mobile app as a user interface</a:t>
+              <a:t>Keep a count of users in every section</a:t>
+            </a:r>
+          </a:p>
+          <a:p>
+            <a:pPr lvl="1"/>
+            <a:r>
+              <a:rPr lang="en-US" dirty="0" smtClean="0"/>
+              <a:t>Identify a good are to scout a place</a:t>
+            </a:r>
+            <a:endParaRPr lang="en-US" dirty="0" smtClean="0"/>
+          </a:p>
+          <a:p>
+            <a:r>
+              <a:rPr lang="en-US" dirty="0" smtClean="0"/>
+              <a:t>Cloud service to manage our </a:t>
+            </a:r>
+            <a:r>
+              <a:rPr lang="en-US" dirty="0" smtClean="0"/>
+              <a:t>data</a:t>
+            </a:r>
+          </a:p>
+          <a:p>
+            <a:pPr lvl="1"/>
+            <a:r>
+              <a:rPr lang="en-US" dirty="0" smtClean="0"/>
+              <a:t>API driven architecture</a:t>
+            </a:r>
+          </a:p>
+          <a:p>
+            <a:pPr lvl="1"/>
+            <a:r>
+              <a:rPr lang="en-US" dirty="0" smtClean="0"/>
+              <a:t>Ensures client flexibility</a:t>
+            </a:r>
+            <a:endParaRPr lang="en-US" dirty="0" smtClean="0"/>
+          </a:p>
+          <a:p>
+            <a:r>
+              <a:rPr lang="en-US" dirty="0" smtClean="0"/>
+              <a:t>Mobile app as a user </a:t>
+            </a:r>
+            <a:r>
+              <a:rPr lang="en-US" dirty="0" smtClean="0"/>
+              <a:t>interface</a:t>
+            </a:r>
+          </a:p>
+          <a:p>
+            <a:pPr lvl="1"/>
+            <a:r>
+              <a:rPr lang="en-US" dirty="0" smtClean="0"/>
+              <a:t>Interaction medium for our users</a:t>
+            </a:r>
+          </a:p>
+          <a:p>
+            <a:pPr lvl="1"/>
+            <a:r>
+              <a:rPr lang="en-US" dirty="0" smtClean="0"/>
+              <a:t>Visual cues using maps</a:t>
+            </a:r>
+          </a:p>
+          <a:p>
+            <a:pPr lvl="1"/>
+            <a:r>
+              <a:rPr lang="en-US" dirty="0" smtClean="0"/>
+              <a:t>Voice command enabled</a:t>
             </a:r>
             <a:endParaRPr lang="en-US" dirty="0"/>
           </a:p>

--- a/FinalPresentation.pptx
+++ b/FinalPresentation.pptx
@@ -3381,68 +3381,30 @@
           </a:p>
         </p:txBody>
       </p:sp>
-      <p:sp>
-        <p:nvSpPr>
-          <p:cNvPr id="5" name="Rectangle 4"/>
-          <p:cNvSpPr/>
+      <p:pic>
+        <p:nvPicPr>
+          <p:cNvPr id="4" name="Picture 3"/>
+          <p:cNvPicPr>
+            <a:picLocks noChangeAspect="1"/>
+          </p:cNvPicPr>
           <p:nvPr/>
-        </p:nvSpPr>
+        </p:nvPicPr>
+        <p:blipFill>
+          <a:blip r:embed="rId2"/>
+          <a:stretch>
+            <a:fillRect/>
+          </a:stretch>
+        </p:blipFill>
         <p:spPr>
           <a:xfrm>
-            <a:off x="6698932" y="1033145"/>
-            <a:ext cx="897255" cy="871855"/>
+            <a:off x="6238875" y="327746"/>
+            <a:ext cx="1367270" cy="1287119"/>
           </a:xfrm>
           <a:prstGeom prst="rect">
             <a:avLst/>
           </a:prstGeom>
         </p:spPr>
-        <p:style>
-          <a:lnRef idx="1">
-            <a:schemeClr val="accent1"/>
-          </a:lnRef>
-          <a:fillRef idx="3">
-            <a:schemeClr val="accent1"/>
-          </a:fillRef>
-          <a:effectRef idx="2">
-            <a:schemeClr val="accent1"/>
-          </a:effectRef>
-          <a:fontRef idx="minor">
-            <a:schemeClr val="lt1"/>
-          </a:fontRef>
-        </p:style>
-        <p:txBody>
-          <a:bodyPr rot="0" spcFirstLastPara="0" vert="horz" wrap="square" lIns="91440" tIns="45720" rIns="91440" bIns="45720" numCol="1" spcCol="0" rtlCol="0" fromWordArt="0" anchor="ctr" anchorCtr="0" forceAA="0" compatLnSpc="1">
-            <a:prstTxWarp prst="textNoShape">
-              <a:avLst/>
-            </a:prstTxWarp>
-            <a:noAutofit/>
-          </a:bodyPr>
-          <a:lstStyle/>
-          <a:p>
-            <a:pPr marL="0" marR="0" algn="ctr">
-              <a:spcBef>
-                <a:spcPts val="0"/>
-              </a:spcBef>
-              <a:spcAft>
-                <a:spcPts val="0"/>
-              </a:spcAft>
-            </a:pPr>
-            <a:r>
-              <a:rPr lang="en-US" sz="1200" kern="100" dirty="0">
-                <a:effectLst/>
-                <a:ea typeface="宋体"/>
-                <a:cs typeface="Times New Roman"/>
-              </a:rPr>
-              <a:t>Project Logo here</a:t>
-            </a:r>
-            <a:endParaRPr lang="en-US" sz="1050" kern="100" dirty="0">
-              <a:effectLst/>
-              <a:ea typeface="宋体"/>
-              <a:cs typeface="Times New Roman"/>
-            </a:endParaRPr>
-          </a:p>
-        </p:txBody>
-      </p:sp>
+      </p:pic>
     </p:spTree>
     <p:extLst>
       <p:ext uri="{BB962C8B-B14F-4D97-AF65-F5344CB8AC3E}">
@@ -3794,7 +3756,11 @@
           <a:p>
             <a:r>
               <a:rPr lang="en-US" sz="3600" dirty="0" smtClean="0"/>
-              <a:t>It should be able to guide us regarding this information</a:t>
+              <a:t>It should </a:t>
+            </a:r>
+            <a:r>
+              <a:rPr lang="en-US" sz="3600" dirty="0" smtClean="0"/>
+              <a:t>facilitate managing study groups</a:t>
             </a:r>
             <a:endParaRPr lang="en-US" sz="3600" dirty="0"/>
           </a:p>
@@ -3942,7 +3908,15 @@
             <a:pPr lvl="1"/>
             <a:r>
               <a:rPr lang="en-US" dirty="0" smtClean="0"/>
-              <a:t>API driven architecture</a:t>
+              <a:t>Java </a:t>
+            </a:r>
+            <a:r>
+              <a:rPr lang="en-US" smtClean="0"/>
+              <a:t>Spring based API </a:t>
+            </a:r>
+            <a:r>
+              <a:rPr lang="en-US" dirty="0" smtClean="0"/>
+              <a:t>driven architecture</a:t>
             </a:r>
           </a:p>
           <a:p>
@@ -5842,8 +5816,8 @@
         </p:blipFill>
         <p:spPr>
           <a:xfrm rot="20089253">
-            <a:off x="3973701" y="2612378"/>
-            <a:ext cx="4549787" cy="2811713"/>
+            <a:off x="3777094" y="2266961"/>
+            <a:ext cx="4895903" cy="3150421"/>
           </a:xfrm>
         </p:spPr>
       </p:pic>

--- a/FinalPresentation.pptx
+++ b/FinalPresentation.pptx
@@ -3908,15 +3908,7 @@
             <a:pPr lvl="1"/>
             <a:r>
               <a:rPr lang="en-US" dirty="0" smtClean="0"/>
-              <a:t>Java </a:t>
-            </a:r>
-            <a:r>
-              <a:rPr lang="en-US" smtClean="0"/>
-              <a:t>Spring based API </a:t>
-            </a:r>
-            <a:r>
-              <a:rPr lang="en-US" dirty="0" smtClean="0"/>
-              <a:t>driven architecture</a:t>
+              <a:t>Java Spring based API driven architecture</a:t>
             </a:r>
           </a:p>
           <a:p>
@@ -5380,7 +5372,7 @@
             <p:ph sz="half" idx="1"/>
             <p:extLst>
               <p:ext uri="{D42A27DB-BD31-4B8C-83A1-F6EECF244321}">
-                <p14:modId xmlns:p14="http://schemas.microsoft.com/office/powerpoint/2010/main" val="1444366017"/>
+                <p14:modId xmlns:p14="http://schemas.microsoft.com/office/powerpoint/2010/main" val="2617398378"/>
               </p:ext>
             </p:extLst>
           </p:nvPr>
@@ -5658,7 +5650,7 @@
                     <a:p>
                       <a:r>
                         <a:rPr lang="en-US" dirty="0" smtClean="0"/>
-                        <a:t>UX enhancements to improve ease of use</a:t>
+                        <a:t>Social network integration</a:t>
                       </a:r>
                       <a:endParaRPr lang="en-US" dirty="0"/>
                     </a:p>
@@ -5895,10 +5887,8 @@
           <a:lstStyle/>
           <a:p>
             <a:r>
-              <a:rPr lang="en-US" u="sng" dirty="0">
-                <a:hlinkClick r:id="rId2"/>
-              </a:rPr>
-              <a:t>https://www.youtube.com/watch?v=8BuyhqfnH_c</a:t>
+              <a:rPr lang="en-US" dirty="0"/>
+              <a:t>https://www.youtube.com/watch?v=5EL35dluXF8&amp;feature=youtu.be</a:t>
             </a:r>
             <a:endParaRPr lang="en-US" dirty="0"/>
           </a:p>

--- a/FinalPresentation.pptx
+++ b/FinalPresentation.pptx
@@ -14,7 +14,6 @@
     <p:sldId id="263" r:id="rId8"/>
     <p:sldId id="264" r:id="rId9"/>
     <p:sldId id="265" r:id="rId10"/>
-    <p:sldId id="257" r:id="rId11"/>
   </p:sldIdLst>
   <p:sldSz cx="9144000" cy="6858000" type="screen4x3"/>
   <p:notesSz cx="7010400" cy="9296400"/>
@@ -327,7 +326,7 @@
             <a:fld id="{04AF466F-BDA4-4F18-9C7B-FF0A9A1B0E80}" type="datetime1">
               <a:rPr lang="en-US" smtClean="0"/>
               <a:pPr/>
-              <a:t>4/20/2016</a:t>
+              <a:t>4/21/2016</a:t>
             </a:fld>
             <a:endParaRPr lang="en-US"/>
           </a:p>
@@ -494,7 +493,7 @@
             <a:fld id="{58FB4290-6522-4139-852E-05BD9E7F0D2E}" type="datetime1">
               <a:rPr lang="en-US" smtClean="0"/>
               <a:pPr/>
-              <a:t>4/20/2016</a:t>
+              <a:t>4/21/2016</a:t>
             </a:fld>
             <a:endParaRPr lang="en-US"/>
           </a:p>
@@ -671,7 +670,7 @@
             <a:fld id="{AAB955F9-81EA-47C5-8059-9E5C2B437C70}" type="datetime1">
               <a:rPr lang="en-US" smtClean="0"/>
               <a:pPr/>
-              <a:t>4/20/2016</a:t>
+              <a:t>4/21/2016</a:t>
             </a:fld>
             <a:endParaRPr lang="en-US"/>
           </a:p>
@@ -838,7 +837,7 @@
             <a:fld id="{1CEF607B-A47E-422C-9BEF-122CCDB7C526}" type="datetime1">
               <a:rPr lang="en-US" smtClean="0"/>
               <a:pPr/>
-              <a:t>4/20/2016</a:t>
+              <a:t>4/21/2016</a:t>
             </a:fld>
             <a:endParaRPr lang="en-US"/>
           </a:p>
@@ -1081,7 +1080,7 @@
             <a:fld id="{63A9A7CB-BEE6-4F99-898E-913F06E8E125}" type="datetime1">
               <a:rPr lang="en-US" smtClean="0"/>
               <a:pPr/>
-              <a:t>4/20/2016</a:t>
+              <a:t>4/21/2016</a:t>
             </a:fld>
             <a:endParaRPr lang="en-US"/>
           </a:p>
@@ -1366,7 +1365,7 @@
             <a:fld id="{B6EE300C-6FC5-4FC3-AF1A-075E4F50620D}" type="datetime1">
               <a:rPr lang="en-US" smtClean="0"/>
               <a:pPr/>
-              <a:t>4/20/2016</a:t>
+              <a:t>4/21/2016</a:t>
             </a:fld>
             <a:endParaRPr lang="en-US"/>
           </a:p>
@@ -1797,7 +1796,7 @@
             <a:fld id="{F50D295D-4A77-4DEB-B04C-9F4282A8BC04}" type="datetime1">
               <a:rPr lang="en-US" smtClean="0"/>
               <a:pPr/>
-              <a:t>4/20/2016</a:t>
+              <a:t>4/21/2016</a:t>
             </a:fld>
             <a:endParaRPr lang="en-US"/>
           </a:p>
@@ -1912,7 +1911,7 @@
             <a:fld id="{02B28685-4D0C-42D5-8013-B5904CD1FCBC}" type="datetime1">
               <a:rPr lang="en-US" smtClean="0"/>
               <a:pPr/>
-              <a:t>4/20/2016</a:t>
+              <a:t>4/21/2016</a:t>
             </a:fld>
             <a:endParaRPr lang="en-US"/>
           </a:p>
@@ -2004,7 +2003,7 @@
             <a:fld id="{FDF226C0-9885-4BA9-BBFA-A52CBFEBB775}" type="datetime1">
               <a:rPr lang="en-US" smtClean="0"/>
               <a:pPr/>
-              <a:t>4/20/2016</a:t>
+              <a:t>4/21/2016</a:t>
             </a:fld>
             <a:endParaRPr lang="en-US"/>
           </a:p>
@@ -2195,7 +2194,7 @@
             <a:fld id="{EBEE1B38-C5EB-4D66-9137-0AFE9CDEDE8F}" type="datetime1">
               <a:rPr lang="en-US" smtClean="0"/>
               <a:pPr/>
-              <a:t>4/20/2016</a:t>
+              <a:t>4/21/2016</a:t>
             </a:fld>
             <a:endParaRPr lang="en-US"/>
           </a:p>
@@ -2515,7 +2514,7 @@
             <a:fld id="{327B613C-1AD7-49D3-885D-F654C5CDBAA6}" type="datetime1">
               <a:rPr lang="en-US" smtClean="0"/>
               <a:pPr/>
-              <a:t>4/20/2016</a:t>
+              <a:t>4/21/2016</a:t>
             </a:fld>
             <a:endParaRPr lang="en-US" dirty="0"/>
           </a:p>
@@ -2897,7 +2896,7 @@
             <a:fld id="{327B613C-1AD7-49D3-885D-F654C5CDBAA6}" type="datetime1">
               <a:rPr lang="en-US" smtClean="0"/>
               <a:pPr/>
-              <a:t>4/20/2016</a:t>
+              <a:t>4/21/2016</a:t>
             </a:fld>
             <a:endParaRPr lang="en-US" dirty="0"/>
           </a:p>
@@ -3418,136 +3417,6 @@
 </p:sld>
 </file>
 
-<file path=ppt/slides/slide10.xml><?xml version="1.0" encoding="utf-8"?>
-<p:sld xmlns:a="http://schemas.openxmlformats.org/drawingml/2006/main" xmlns:r="http://schemas.openxmlformats.org/officeDocument/2006/relationships" xmlns:p="http://schemas.openxmlformats.org/presentationml/2006/main">
-  <p:cSld>
-    <p:spTree>
-      <p:nvGrpSpPr>
-        <p:cNvPr id="1" name=""/>
-        <p:cNvGrpSpPr/>
-        <p:nvPr/>
-      </p:nvGrpSpPr>
-      <p:grpSpPr>
-        <a:xfrm>
-          <a:off x="0" y="0"/>
-          <a:ext cx="0" cy="0"/>
-          <a:chOff x="0" y="0"/>
-          <a:chExt cx="0" cy="0"/>
-        </a:xfrm>
-      </p:grpSpPr>
-      <p:sp>
-        <p:nvSpPr>
-          <p:cNvPr id="2" name="Title 1"/>
-          <p:cNvSpPr>
-            <a:spLocks noGrp="1"/>
-          </p:cNvSpPr>
-          <p:nvPr>
-            <p:ph type="title"/>
-          </p:nvPr>
-        </p:nvSpPr>
-        <p:spPr/>
-        <p:txBody>
-          <a:bodyPr/>
-          <a:lstStyle/>
-          <a:p>
-            <a:r>
-              <a:rPr lang="en-US" dirty="0" smtClean="0"/>
-              <a:t>Content</a:t>
-            </a:r>
-            <a:endParaRPr lang="en-US" dirty="0"/>
-          </a:p>
-        </p:txBody>
-      </p:sp>
-      <p:sp>
-        <p:nvSpPr>
-          <p:cNvPr id="3" name="Content Placeholder 2"/>
-          <p:cNvSpPr>
-            <a:spLocks noGrp="1"/>
-          </p:cNvSpPr>
-          <p:nvPr>
-            <p:ph idx="1"/>
-          </p:nvPr>
-        </p:nvSpPr>
-        <p:spPr/>
-        <p:txBody>
-          <a:bodyPr/>
-          <a:lstStyle/>
-          <a:p>
-            <a:r>
-              <a:rPr lang="en-US" dirty="0" smtClean="0"/>
-              <a:t>Project idea: 1-2 slides</a:t>
-            </a:r>
-          </a:p>
-          <a:p>
-            <a:pPr lvl="1"/>
-            <a:r>
-              <a:rPr lang="en-US" dirty="0" smtClean="0"/>
-              <a:t>What problem are you trying to address</a:t>
-            </a:r>
-          </a:p>
-          <a:p>
-            <a:pPr lvl="1"/>
-            <a:r>
-              <a:rPr lang="en-US" dirty="0" smtClean="0"/>
-              <a:t>What is the idea of your solution</a:t>
-            </a:r>
-          </a:p>
-          <a:p>
-            <a:r>
-              <a:rPr lang="en-US" dirty="0" smtClean="0"/>
-              <a:t>Used Technology: 1 slide</a:t>
-            </a:r>
-          </a:p>
-          <a:p>
-            <a:r>
-              <a:rPr lang="en-US" dirty="0" smtClean="0"/>
-              <a:t>Architecture of the solution: 1 slide (pictorial)</a:t>
-            </a:r>
-          </a:p>
-          <a:p>
-            <a:r>
-              <a:rPr lang="en-US" dirty="0" smtClean="0"/>
-              <a:t>Any assets to showcase your project (photos, etc.): 1 slide</a:t>
-            </a:r>
-          </a:p>
-          <a:p>
-            <a:r>
-              <a:rPr lang="en-US" dirty="0" smtClean="0"/>
-              <a:t>What works? And What does not?  1 slide</a:t>
-            </a:r>
-          </a:p>
-          <a:p>
-            <a:r>
-              <a:rPr lang="en-US" dirty="0" smtClean="0"/>
-              <a:t>What business model may be utilized in connection with your project? (how can money be made from your idea?) 1 slide</a:t>
-            </a:r>
-          </a:p>
-          <a:p>
-            <a:r>
-              <a:rPr lang="en-US" dirty="0" smtClean="0"/>
-              <a:t>Finally, 2 min </a:t>
-            </a:r>
-            <a:r>
-              <a:rPr lang="en-US" smtClean="0"/>
-              <a:t>high quality video </a:t>
-            </a:r>
-            <a:endParaRPr lang="en-US" dirty="0"/>
-          </a:p>
-        </p:txBody>
-      </p:sp>
-    </p:spTree>
-    <p:extLst>
-      <p:ext uri="{BB962C8B-B14F-4D97-AF65-F5344CB8AC3E}">
-        <p14:creationId xmlns:p14="http://schemas.microsoft.com/office/powerpoint/2010/main" val="2679269164"/>
-      </p:ext>
-    </p:extLst>
-  </p:cSld>
-  <p:clrMapOvr>
-    <a:masterClrMapping/>
-  </p:clrMapOvr>
-</p:sld>
-</file>
-
 <file path=ppt/slides/slide2.xml><?xml version="1.0" encoding="utf-8"?>
 <p:sld xmlns:a="http://schemas.openxmlformats.org/drawingml/2006/main" xmlns:r="http://schemas.openxmlformats.org/officeDocument/2006/relationships" xmlns:p="http://schemas.openxmlformats.org/presentationml/2006/main">
   <p:cSld>
@@ -3756,11 +3625,7 @@
           <a:p>
             <a:r>
               <a:rPr lang="en-US" sz="3600" dirty="0" smtClean="0"/>
-              <a:t>It should </a:t>
-            </a:r>
-            <a:r>
-              <a:rPr lang="en-US" sz="3600" dirty="0" smtClean="0"/>
-              <a:t>facilitate managing study groups</a:t>
+              <a:t>It should facilitate managing study groups</a:t>
             </a:r>
             <a:endParaRPr lang="en-US" sz="3600" dirty="0"/>
           </a:p>
@@ -3843,11 +3708,7 @@
           <a:p>
             <a:r>
               <a:rPr lang="en-US" dirty="0" smtClean="0"/>
-              <a:t>Beacons for location and </a:t>
-            </a:r>
-            <a:r>
-              <a:rPr lang="en-US" dirty="0" smtClean="0"/>
-              <a:t>context</a:t>
+              <a:t>Beacons for location and context</a:t>
             </a:r>
           </a:p>
           <a:p>
@@ -3863,7 +3724,6 @@
               <a:rPr lang="en-US" dirty="0" smtClean="0"/>
               <a:t>Associate users with a beacon and effectively a room</a:t>
             </a:r>
-            <a:endParaRPr lang="en-US" dirty="0" smtClean="0"/>
           </a:p>
           <a:p>
             <a:r>
@@ -3872,11 +3732,7 @@
             </a:r>
             <a:r>
               <a:rPr lang="en-US" dirty="0" smtClean="0"/>
-              <a:t>-Weave duo for tracking </a:t>
-            </a:r>
-            <a:r>
-              <a:rPr lang="en-US" dirty="0" smtClean="0"/>
-              <a:t>footfall</a:t>
+              <a:t>-Weave duo for tracking footfall</a:t>
             </a:r>
           </a:p>
           <a:p>
@@ -3892,16 +3748,11 @@
               <a:rPr lang="en-US" dirty="0" smtClean="0"/>
               <a:t>Identify a good are to scout a place</a:t>
             </a:r>
-            <a:endParaRPr lang="en-US" dirty="0" smtClean="0"/>
           </a:p>
           <a:p>
             <a:r>
               <a:rPr lang="en-US" dirty="0" smtClean="0"/>
-              <a:t>Cloud service to manage our </a:t>
-            </a:r>
-            <a:r>
-              <a:rPr lang="en-US" dirty="0" smtClean="0"/>
-              <a:t>data</a:t>
+              <a:t>Cloud service to manage our data</a:t>
             </a:r>
           </a:p>
           <a:p>
@@ -3917,16 +3768,11 @@
               <a:rPr lang="en-US" dirty="0" smtClean="0"/>
               <a:t>Ensures client flexibility</a:t>
             </a:r>
-            <a:endParaRPr lang="en-US" dirty="0" smtClean="0"/>
           </a:p>
           <a:p>
             <a:r>
               <a:rPr lang="en-US" dirty="0" smtClean="0"/>
-              <a:t>Mobile app as a user </a:t>
-            </a:r>
-            <a:r>
-              <a:rPr lang="en-US" dirty="0" smtClean="0"/>
-              <a:t>interface</a:t>
+              <a:t>Mobile app as a user interface</a:t>
             </a:r>
           </a:p>
           <a:p>
@@ -5737,7 +5583,9 @@
           </a:xfrm>
         </p:spPr>
         <p:txBody>
-          <a:bodyPr/>
+          <a:bodyPr>
+            <a:normAutofit lnSpcReduction="10000"/>
+          </a:bodyPr>
           <a:lstStyle/>
           <a:p>
             <a:r>
@@ -5748,7 +5596,22 @@
           <a:p>
             <a:r>
               <a:rPr lang="en-US" dirty="0" smtClean="0"/>
-              <a:t>Enhances user experience</a:t>
+              <a:t>Social network in </a:t>
+            </a:r>
+            <a:r>
+              <a:rPr lang="en-US" dirty="0" err="1" smtClean="0"/>
+              <a:t>IoT</a:t>
+            </a:r>
+            <a:endParaRPr lang="en-US" dirty="0" smtClean="0"/>
+          </a:p>
+          <a:p>
+            <a:r>
+              <a:rPr lang="en-US" dirty="0" smtClean="0"/>
+              <a:t>Enhances </a:t>
+            </a:r>
+            <a:r>
+              <a:rPr lang="en-US" dirty="0" smtClean="0"/>
+              <a:t>user experience</a:t>
             </a:r>
           </a:p>
           <a:p>
@@ -5772,8 +5635,15 @@
           <a:p>
             <a:r>
               <a:rPr lang="en-US" dirty="0" smtClean="0"/>
-              <a:t>Wedding halls</a:t>
-            </a:r>
+              <a:t>Hotels</a:t>
+            </a:r>
+          </a:p>
+          <a:p>
+            <a:r>
+              <a:rPr lang="en-US" dirty="0" smtClean="0"/>
+              <a:t>Airport</a:t>
+            </a:r>
+            <a:endParaRPr lang="en-US" dirty="0" smtClean="0"/>
           </a:p>
           <a:p>
             <a:r>
@@ -5807,7 +5677,7 @@
           </a:stretch>
         </p:blipFill>
         <p:spPr>
-          <a:xfrm rot="20089253">
+          <a:xfrm rot="19531891">
             <a:off x="3777094" y="2266961"/>
             <a:ext cx="4895903" cy="3150421"/>
           </a:xfrm>
@@ -5887,9 +5757,23 @@
           <a:lstStyle/>
           <a:p>
             <a:r>
-              <a:rPr lang="en-US" dirty="0"/>
-              <a:t>https://www.youtube.com/watch?v=5EL35dluXF8&amp;feature=youtu.be</a:t>
-            </a:r>
+              <a:rPr lang="en-US" dirty="0">
+                <a:hlinkClick r:id="rId2"/>
+              </a:rPr>
+              <a:t>https://</a:t>
+            </a:r>
+            <a:r>
+              <a:rPr lang="en-US" dirty="0" smtClean="0">
+                <a:hlinkClick r:id="rId2"/>
+              </a:rPr>
+              <a:t>www.youtube.com/watch?v=5GDou6hkNCQ&amp;feature=youtu.be</a:t>
+            </a:r>
+            <a:endParaRPr lang="en-US" dirty="0" smtClean="0"/>
+          </a:p>
+          <a:p>
+            <a:pPr marL="114300" indent="0">
+              <a:buNone/>
+            </a:pPr>
             <a:endParaRPr lang="en-US" dirty="0"/>
           </a:p>
         </p:txBody>
